--- a/Reports/Train_with_PS capabilities_20250728.pptx
+++ b/Reports/Train_with_PS capabilities_20250728.pptx
@@ -3,10 +3,13 @@
 <p:presentation xmlns:a="http://schemas.openxmlformats.org/drawingml/2006/main" xmlns:r="http://schemas.openxmlformats.org/officeDocument/2006/relationships" xmlns:p="http://schemas.openxmlformats.org/presentationml/2006/main" saveSubsetFonts="1">
   <p:sldMasterIdLst>
     <p:sldMasterId id="2147483648" r:id="rId1"/>
+    <p:sldMasterId id="2147483924" r:id="rId2"/>
   </p:sldMasterIdLst>
   <p:sldIdLst>
-    <p:sldId id="257" r:id="rId2"/>
-    <p:sldId id="260" r:id="rId3"/>
+    <p:sldId id="261" r:id="rId3"/>
+    <p:sldId id="257" r:id="rId4"/>
+    <p:sldId id="260" r:id="rId5"/>
+    <p:sldId id="262" r:id="rId6"/>
   </p:sldIdLst>
   <p:sldSz cx="12192000" cy="6858000"/>
   <p:notesSz cx="6858000" cy="9144000"/>
@@ -105,13 +108,18 @@
       </a:defRPr>
     </a:lvl9pPr>
   </p:defaultTextStyle>
+  <p:extLst>
+    <p:ext uri="{EFAFB233-063F-42B5-8137-9DF3F51BA10A}">
+      <p15:sldGuideLst xmlns:p15="http://schemas.microsoft.com/office/powerpoint/2012/main"/>
+    </p:ext>
+  </p:extLst>
 </p:presentation>
 </file>
 
 <file path=ppt/revisionInfo.xml><?xml version="1.0" encoding="utf-8"?>
 <p1510:revInfo xmlns:a="http://schemas.openxmlformats.org/drawingml/2006/main" xmlns:r="http://schemas.openxmlformats.org/officeDocument/2006/relationships" xmlns:p1510="http://schemas.microsoft.com/office/powerpoint/2015/10/main">
   <p1510:revLst>
-    <p1510:client id="{72AF2A81-B5F1-4E69-8DE0-BB2C03A25C53}" v="971" dt="2025-07-28T13:49:01.137"/>
+    <p1510:client id="{72AF2A81-B5F1-4E69-8DE0-BB2C03A25C53}" v="983" dt="2025-07-29T13:59:37.850"/>
   </p1510:revLst>
 </p1510:revInfo>
 </file>
@@ -120,8 +128,8 @@
 <pc:chgInfo xmlns:a="http://schemas.openxmlformats.org/drawingml/2006/main" xmlns:r="http://schemas.openxmlformats.org/officeDocument/2006/relationships" xmlns:ac="http://schemas.microsoft.com/office/drawing/2013/main/command" xmlns:pc="http://schemas.microsoft.com/office/powerpoint/2013/main/command">
   <pc:docChgLst>
     <pc:chgData name="Darbandi, Hamed (UT-EEMCS)" userId="14c3e4a7-a657-4d7f-849e-8baaf4839630" providerId="ADAL" clId="{72AF2A81-B5F1-4E69-8DE0-BB2C03A25C53}"/>
-    <pc:docChg chg="undo redo custSel addSld delSld modSld">
-      <pc:chgData name="Darbandi, Hamed (UT-EEMCS)" userId="14c3e4a7-a657-4d7f-849e-8baaf4839630" providerId="ADAL" clId="{72AF2A81-B5F1-4E69-8DE0-BB2C03A25C53}" dt="2025-07-28T13:49:01.137" v="1020" actId="20577"/>
+    <pc:docChg chg="undo redo custSel addSld delSld modSld sldOrd addMainMaster">
+      <pc:chgData name="Darbandi, Hamed (UT-EEMCS)" userId="14c3e4a7-a657-4d7f-849e-8baaf4839630" providerId="ADAL" clId="{72AF2A81-B5F1-4E69-8DE0-BB2C03A25C53}" dt="2025-07-29T13:59:48.554" v="1143" actId="20577"/>
       <pc:docMkLst>
         <pc:docMk/>
       </pc:docMkLst>
@@ -256,6 +264,170 @@
           </ac:graphicFrameMkLst>
         </pc:graphicFrameChg>
       </pc:sldChg>
+      <pc:sldChg chg="modSp add mod ord">
+        <pc:chgData name="Darbandi, Hamed (UT-EEMCS)" userId="14c3e4a7-a657-4d7f-849e-8baaf4839630" providerId="ADAL" clId="{72AF2A81-B5F1-4E69-8DE0-BB2C03A25C53}" dt="2025-07-29T10:10:40.884" v="1077" actId="20577"/>
+        <pc:sldMkLst>
+          <pc:docMk/>
+          <pc:sldMk cId="2289031963" sldId="261"/>
+        </pc:sldMkLst>
+        <pc:spChg chg="mod">
+          <ac:chgData name="Darbandi, Hamed (UT-EEMCS)" userId="14c3e4a7-a657-4d7f-849e-8baaf4839630" providerId="ADAL" clId="{72AF2A81-B5F1-4E69-8DE0-BB2C03A25C53}" dt="2025-07-29T10:10:40.884" v="1077" actId="20577"/>
+          <ac:spMkLst>
+            <pc:docMk/>
+            <pc:sldMk cId="2289031963" sldId="261"/>
+            <ac:spMk id="2" creationId="{00EEBDCC-EB26-4FB3-B42B-66516F6C2BFA}"/>
+          </ac:spMkLst>
+        </pc:spChg>
+      </pc:sldChg>
+      <pc:sldChg chg="addSp delSp modSp new del mod delAnim modAnim">
+        <pc:chgData name="Darbandi, Hamed (UT-EEMCS)" userId="14c3e4a7-a657-4d7f-849e-8baaf4839630" providerId="ADAL" clId="{72AF2A81-B5F1-4E69-8DE0-BB2C03A25C53}" dt="2025-07-29T13:15:21.135" v="1130" actId="2696"/>
+        <pc:sldMkLst>
+          <pc:docMk/>
+          <pc:sldMk cId="658376717" sldId="262"/>
+        </pc:sldMkLst>
+        <pc:spChg chg="del">
+          <ac:chgData name="Darbandi, Hamed (UT-EEMCS)" userId="14c3e4a7-a657-4d7f-849e-8baaf4839630" providerId="ADAL" clId="{72AF2A81-B5F1-4E69-8DE0-BB2C03A25C53}" dt="2025-07-29T13:10:10.532" v="1089" actId="478"/>
+          <ac:spMkLst>
+            <pc:docMk/>
+            <pc:sldMk cId="658376717" sldId="262"/>
+            <ac:spMk id="2" creationId="{1F7E5F36-0F1B-3180-0CC4-686071EB1E2F}"/>
+          </ac:spMkLst>
+        </pc:spChg>
+        <pc:spChg chg="del">
+          <ac:chgData name="Darbandi, Hamed (UT-EEMCS)" userId="14c3e4a7-a657-4d7f-849e-8baaf4839630" providerId="ADAL" clId="{72AF2A81-B5F1-4E69-8DE0-BB2C03A25C53}" dt="2025-07-29T13:09:28.458" v="1079" actId="931"/>
+          <ac:spMkLst>
+            <pc:docMk/>
+            <pc:sldMk cId="658376717" sldId="262"/>
+            <ac:spMk id="3" creationId="{0E1754E2-B7AA-D78A-1084-47030699D5BD}"/>
+          </ac:spMkLst>
+        </pc:spChg>
+        <pc:spChg chg="add del mod">
+          <ac:chgData name="Darbandi, Hamed (UT-EEMCS)" userId="14c3e4a7-a657-4d7f-849e-8baaf4839630" providerId="ADAL" clId="{72AF2A81-B5F1-4E69-8DE0-BB2C03A25C53}" dt="2025-07-29T13:10:12.386" v="1090" actId="478"/>
+          <ac:spMkLst>
+            <pc:docMk/>
+            <pc:sldMk cId="658376717" sldId="262"/>
+            <ac:spMk id="9" creationId="{8B07D625-7B5B-1FB7-A467-1285FA7299C9}"/>
+          </ac:spMkLst>
+        </pc:spChg>
+        <pc:picChg chg="add del mod">
+          <ac:chgData name="Darbandi, Hamed (UT-EEMCS)" userId="14c3e4a7-a657-4d7f-849e-8baaf4839630" providerId="ADAL" clId="{72AF2A81-B5F1-4E69-8DE0-BB2C03A25C53}" dt="2025-07-29T13:10:07.944" v="1088" actId="478"/>
+          <ac:picMkLst>
+            <pc:docMk/>
+            <pc:sldMk cId="658376717" sldId="262"/>
+            <ac:picMk id="5" creationId="{BC3A4FAE-A4C4-E9EC-82B9-FC4FCE97F96C}"/>
+          </ac:picMkLst>
+        </pc:picChg>
+        <pc:picChg chg="add mod">
+          <ac:chgData name="Darbandi, Hamed (UT-EEMCS)" userId="14c3e4a7-a657-4d7f-849e-8baaf4839630" providerId="ADAL" clId="{72AF2A81-B5F1-4E69-8DE0-BB2C03A25C53}" dt="2025-07-29T13:10:06.508" v="1087" actId="931"/>
+          <ac:picMkLst>
+            <pc:docMk/>
+            <pc:sldMk cId="658376717" sldId="262"/>
+            <ac:picMk id="7" creationId="{4B11D103-227B-361D-5EEF-2A308C6E34E1}"/>
+          </ac:picMkLst>
+        </pc:picChg>
+        <pc:picChg chg="add del mod">
+          <ac:chgData name="Darbandi, Hamed (UT-EEMCS)" userId="14c3e4a7-a657-4d7f-849e-8baaf4839630" providerId="ADAL" clId="{72AF2A81-B5F1-4E69-8DE0-BB2C03A25C53}" dt="2025-07-29T13:13:19.525" v="1124" actId="478"/>
+          <ac:picMkLst>
+            <pc:docMk/>
+            <pc:sldMk cId="658376717" sldId="262"/>
+            <ac:picMk id="11" creationId="{48936987-01A3-F1C2-B6BE-55FA7D8FA408}"/>
+          </ac:picMkLst>
+        </pc:picChg>
+        <pc:picChg chg="add del mod">
+          <ac:chgData name="Darbandi, Hamed (UT-EEMCS)" userId="14c3e4a7-a657-4d7f-849e-8baaf4839630" providerId="ADAL" clId="{72AF2A81-B5F1-4E69-8DE0-BB2C03A25C53}" dt="2025-07-29T13:13:12.920" v="1123" actId="478"/>
+          <ac:picMkLst>
+            <pc:docMk/>
+            <pc:sldMk cId="658376717" sldId="262"/>
+            <ac:picMk id="13" creationId="{37A4E26B-9C86-7C32-8571-208F3F6AFD9F}"/>
+          </ac:picMkLst>
+        </pc:picChg>
+        <pc:picChg chg="add del mod">
+          <ac:chgData name="Darbandi, Hamed (UT-EEMCS)" userId="14c3e4a7-a657-4d7f-849e-8baaf4839630" providerId="ADAL" clId="{72AF2A81-B5F1-4E69-8DE0-BB2C03A25C53}" dt="2025-07-29T13:13:11.686" v="1122" actId="478"/>
+          <ac:picMkLst>
+            <pc:docMk/>
+            <pc:sldMk cId="658376717" sldId="262"/>
+            <ac:picMk id="15" creationId="{1EB1135D-39A9-4E98-1D48-F3E988CDD908}"/>
+          </ac:picMkLst>
+        </pc:picChg>
+        <pc:picChg chg="add del mod">
+          <ac:chgData name="Darbandi, Hamed (UT-EEMCS)" userId="14c3e4a7-a657-4d7f-849e-8baaf4839630" providerId="ADAL" clId="{72AF2A81-B5F1-4E69-8DE0-BB2C03A25C53}" dt="2025-07-29T13:13:10.167" v="1120" actId="478"/>
+          <ac:picMkLst>
+            <pc:docMk/>
+            <pc:sldMk cId="658376717" sldId="262"/>
+            <ac:picMk id="17" creationId="{4DDD9DD2-F37E-BBDB-D819-13E0D890A10D}"/>
+          </ac:picMkLst>
+        </pc:picChg>
+        <pc:picChg chg="add del mod ord">
+          <ac:chgData name="Darbandi, Hamed (UT-EEMCS)" userId="14c3e4a7-a657-4d7f-849e-8baaf4839630" providerId="ADAL" clId="{72AF2A81-B5F1-4E69-8DE0-BB2C03A25C53}" dt="2025-07-29T13:13:11.046" v="1121" actId="478"/>
+          <ac:picMkLst>
+            <pc:docMk/>
+            <pc:sldMk cId="658376717" sldId="262"/>
+            <ac:picMk id="19" creationId="{BE25FDF5-4CD4-C9D8-2AD3-FB438DAC13D4}"/>
+          </ac:picMkLst>
+        </pc:picChg>
+        <pc:picChg chg="add del mod ord">
+          <ac:chgData name="Darbandi, Hamed (UT-EEMCS)" userId="14c3e4a7-a657-4d7f-849e-8baaf4839630" providerId="ADAL" clId="{72AF2A81-B5F1-4E69-8DE0-BB2C03A25C53}" dt="2025-07-29T13:13:20.276" v="1125" actId="478"/>
+          <ac:picMkLst>
+            <pc:docMk/>
+            <pc:sldMk cId="658376717" sldId="262"/>
+            <ac:picMk id="21" creationId="{0838CD85-B09F-EFB3-7C65-D57F684C746C}"/>
+          </ac:picMkLst>
+        </pc:picChg>
+        <pc:picChg chg="add mod">
+          <ac:chgData name="Darbandi, Hamed (UT-EEMCS)" userId="14c3e4a7-a657-4d7f-849e-8baaf4839630" providerId="ADAL" clId="{72AF2A81-B5F1-4E69-8DE0-BB2C03A25C53}" dt="2025-07-29T13:13:42.651" v="1129"/>
+          <ac:picMkLst>
+            <pc:docMk/>
+            <pc:sldMk cId="658376717" sldId="262"/>
+            <ac:picMk id="23" creationId="{6963BDA8-DE3B-0588-F56B-E919E0BC3D76}"/>
+          </ac:picMkLst>
+        </pc:picChg>
+      </pc:sldChg>
+      <pc:sldChg chg="addSp delSp modSp new mod">
+        <pc:chgData name="Darbandi, Hamed (UT-EEMCS)" userId="14c3e4a7-a657-4d7f-849e-8baaf4839630" providerId="ADAL" clId="{72AF2A81-B5F1-4E69-8DE0-BB2C03A25C53}" dt="2025-07-29T13:59:48.554" v="1143" actId="20577"/>
+        <pc:sldMkLst>
+          <pc:docMk/>
+          <pc:sldMk cId="1117176596" sldId="262"/>
+        </pc:sldMkLst>
+        <pc:spChg chg="mod">
+          <ac:chgData name="Darbandi, Hamed (UT-EEMCS)" userId="14c3e4a7-a657-4d7f-849e-8baaf4839630" providerId="ADAL" clId="{72AF2A81-B5F1-4E69-8DE0-BB2C03A25C53}" dt="2025-07-29T13:59:48.554" v="1143" actId="20577"/>
+          <ac:spMkLst>
+            <pc:docMk/>
+            <pc:sldMk cId="1117176596" sldId="262"/>
+            <ac:spMk id="2" creationId="{96887403-1A6D-48AA-DFAB-1649BBA144C7}"/>
+          </ac:spMkLst>
+        </pc:spChg>
+        <pc:spChg chg="del">
+          <ac:chgData name="Darbandi, Hamed (UT-EEMCS)" userId="14c3e4a7-a657-4d7f-849e-8baaf4839630" providerId="ADAL" clId="{72AF2A81-B5F1-4E69-8DE0-BB2C03A25C53}" dt="2025-07-29T13:59:37.849" v="1132"/>
+          <ac:spMkLst>
+            <pc:docMk/>
+            <pc:sldMk cId="1117176596" sldId="262"/>
+            <ac:spMk id="3" creationId="{748D379C-4C2C-CAF9-0016-A2FAE066E4F3}"/>
+          </ac:spMkLst>
+        </pc:spChg>
+        <pc:picChg chg="add mod">
+          <ac:chgData name="Darbandi, Hamed (UT-EEMCS)" userId="14c3e4a7-a657-4d7f-849e-8baaf4839630" providerId="ADAL" clId="{72AF2A81-B5F1-4E69-8DE0-BB2C03A25C53}" dt="2025-07-29T13:59:40.239" v="1133" actId="27614"/>
+          <ac:picMkLst>
+            <pc:docMk/>
+            <pc:sldMk cId="1117176596" sldId="262"/>
+            <ac:picMk id="5" creationId="{03D39276-A5BD-C050-807D-E446FCB4D0EC}"/>
+          </ac:picMkLst>
+        </pc:picChg>
+      </pc:sldChg>
+      <pc:sldMasterChg chg="add addSldLayout">
+        <pc:chgData name="Darbandi, Hamed (UT-EEMCS)" userId="14c3e4a7-a657-4d7f-849e-8baaf4839630" providerId="ADAL" clId="{72AF2A81-B5F1-4E69-8DE0-BB2C03A25C53}" dt="2025-07-29T10:09:25.540" v="1021" actId="27028"/>
+        <pc:sldMasterMkLst>
+          <pc:docMk/>
+          <pc:sldMasterMk cId="1954053638" sldId="2147483924"/>
+        </pc:sldMasterMkLst>
+        <pc:sldLayoutChg chg="add">
+          <pc:chgData name="Darbandi, Hamed (UT-EEMCS)" userId="14c3e4a7-a657-4d7f-849e-8baaf4839630" providerId="ADAL" clId="{72AF2A81-B5F1-4E69-8DE0-BB2C03A25C53}" dt="2025-07-29T10:09:25.540" v="1021" actId="27028"/>
+          <pc:sldLayoutMkLst>
+            <pc:docMk/>
+            <pc:sldMasterMk cId="1954053638" sldId="2147483924"/>
+            <pc:sldLayoutMk cId="2358387226" sldId="2147484034"/>
+          </pc:sldLayoutMkLst>
+        </pc:sldLayoutChg>
+      </pc:sldMasterChg>
     </pc:docChg>
   </pc:docChgLst>
 </pc:chgInfo>
@@ -7881,7 +8053,7 @@
           <a:p>
             <a:fld id="{DC11B0E6-9697-40A3-AD93-37D4A7A41591}" type="datetimeFigureOut">
               <a:rPr lang="en-US" smtClean="0"/>
-              <a:t>7/28/2025</a:t>
+              <a:t>7/29/2025</a:t>
             </a:fld>
             <a:endParaRPr lang="en-US"/>
           </a:p>
@@ -8079,7 +8251,7 @@
           <a:p>
             <a:fld id="{DC11B0E6-9697-40A3-AD93-37D4A7A41591}" type="datetimeFigureOut">
               <a:rPr lang="en-US" smtClean="0"/>
-              <a:t>7/28/2025</a:t>
+              <a:t>7/29/2025</a:t>
             </a:fld>
             <a:endParaRPr lang="en-US"/>
           </a:p>
@@ -8287,7 +8459,7 @@
           <a:p>
             <a:fld id="{DC11B0E6-9697-40A3-AD93-37D4A7A41591}" type="datetimeFigureOut">
               <a:rPr lang="en-US" smtClean="0"/>
-              <a:t>7/28/2025</a:t>
+              <a:t>7/29/2025</a:t>
             </a:fld>
             <a:endParaRPr lang="en-US"/>
           </a:p>
@@ -8351,6 +8523,228 @@
     <p:extLst>
       <p:ext uri="{BB962C8B-B14F-4D97-AF65-F5344CB8AC3E}">
         <p14:creationId xmlns:p14="http://schemas.microsoft.com/office/powerpoint/2010/main" val="1797676722"/>
+      </p:ext>
+    </p:extLst>
+  </p:cSld>
+  <p:clrMapOvr>
+    <a:masterClrMapping/>
+  </p:clrMapOvr>
+</p:sldLayout>
+</file>
+
+<file path=ppt/slideLayouts/slideLayout12.xml><?xml version="1.0" encoding="utf-8"?>
+<p:sldLayout xmlns:a="http://schemas.openxmlformats.org/drawingml/2006/main" xmlns:r="http://schemas.openxmlformats.org/officeDocument/2006/relationships" xmlns:p="http://schemas.openxmlformats.org/presentationml/2006/main" type="title">
+  <p:cSld name="Title Slide">
+    <p:spTree>
+      <p:nvGrpSpPr>
+        <p:cNvPr id="1" name=""/>
+        <p:cNvGrpSpPr/>
+        <p:nvPr/>
+      </p:nvGrpSpPr>
+      <p:grpSpPr>
+        <a:xfrm>
+          <a:off x="0" y="0"/>
+          <a:ext cx="0" cy="0"/>
+          <a:chOff x="0" y="0"/>
+          <a:chExt cx="0" cy="0"/>
+        </a:xfrm>
+      </p:grpSpPr>
+      <p:sp>
+        <p:nvSpPr>
+          <p:cNvPr id="2" name="Title 1">
+            <a:extLst>
+              <a:ext uri="{FF2B5EF4-FFF2-40B4-BE49-F238E27FC236}">
+                <a16:creationId xmlns:a16="http://schemas.microsoft.com/office/drawing/2014/main" id="{7B22BE74-8AC6-42B4-A0FE-9B68C6E18622}"/>
+              </a:ext>
+            </a:extLst>
+          </p:cNvPr>
+          <p:cNvSpPr>
+            <a:spLocks noGrp="1"/>
+          </p:cNvSpPr>
+          <p:nvPr>
+            <p:ph type="ctrTitle"/>
+          </p:nvPr>
+        </p:nvSpPr>
+        <p:spPr>
+          <a:xfrm>
+            <a:off x="1524000" y="1122363"/>
+            <a:ext cx="9144000" cy="2387600"/>
+          </a:xfrm>
+        </p:spPr>
+        <p:txBody>
+          <a:bodyPr anchor="b"/>
+          <a:lstStyle>
+            <a:lvl1pPr algn="ctr">
+              <a:defRPr sz="6000"/>
+            </a:lvl1pPr>
+          </a:lstStyle>
+          <a:p>
+            <a:r>
+              <a:rPr lang="en-US"/>
+              <a:t>Click to edit Master title style</a:t>
+            </a:r>
+            <a:endParaRPr lang="nl-NL"/>
+          </a:p>
+        </p:txBody>
+      </p:sp>
+      <p:sp>
+        <p:nvSpPr>
+          <p:cNvPr id="3" name="Subtitle 2">
+            <a:extLst>
+              <a:ext uri="{FF2B5EF4-FFF2-40B4-BE49-F238E27FC236}">
+                <a16:creationId xmlns:a16="http://schemas.microsoft.com/office/drawing/2014/main" id="{DF949681-D981-4037-90F3-F120BCBCFEEA}"/>
+              </a:ext>
+            </a:extLst>
+          </p:cNvPr>
+          <p:cNvSpPr>
+            <a:spLocks noGrp="1"/>
+          </p:cNvSpPr>
+          <p:nvPr>
+            <p:ph type="subTitle" idx="1"/>
+          </p:nvPr>
+        </p:nvSpPr>
+        <p:spPr>
+          <a:xfrm>
+            <a:off x="1524000" y="3602038"/>
+            <a:ext cx="9144000" cy="1655762"/>
+          </a:xfrm>
+        </p:spPr>
+        <p:txBody>
+          <a:bodyPr/>
+          <a:lstStyle>
+            <a:lvl1pPr marL="0" indent="0" algn="ctr">
+              <a:buNone/>
+              <a:defRPr sz="2400"/>
+            </a:lvl1pPr>
+            <a:lvl2pPr marL="457200" indent="0" algn="ctr">
+              <a:buNone/>
+              <a:defRPr sz="2000"/>
+            </a:lvl2pPr>
+            <a:lvl3pPr marL="914400" indent="0" algn="ctr">
+              <a:buNone/>
+              <a:defRPr sz="1800"/>
+            </a:lvl3pPr>
+            <a:lvl4pPr marL="1371600" indent="0" algn="ctr">
+              <a:buNone/>
+              <a:defRPr sz="1600"/>
+            </a:lvl4pPr>
+            <a:lvl5pPr marL="1828800" indent="0" algn="ctr">
+              <a:buNone/>
+              <a:defRPr sz="1600"/>
+            </a:lvl5pPr>
+            <a:lvl6pPr marL="2286000" indent="0" algn="ctr">
+              <a:buNone/>
+              <a:defRPr sz="1600"/>
+            </a:lvl6pPr>
+            <a:lvl7pPr marL="2743200" indent="0" algn="ctr">
+              <a:buNone/>
+              <a:defRPr sz="1600"/>
+            </a:lvl7pPr>
+            <a:lvl8pPr marL="3200400" indent="0" algn="ctr">
+              <a:buNone/>
+              <a:defRPr sz="1600"/>
+            </a:lvl8pPr>
+            <a:lvl9pPr marL="3657600" indent="0" algn="ctr">
+              <a:buNone/>
+              <a:defRPr sz="1600"/>
+            </a:lvl9pPr>
+          </a:lstStyle>
+          <a:p>
+            <a:r>
+              <a:rPr lang="en-US"/>
+              <a:t>Click to edit Master subtitle style</a:t>
+            </a:r>
+            <a:endParaRPr lang="nl-NL"/>
+          </a:p>
+        </p:txBody>
+      </p:sp>
+      <p:sp>
+        <p:nvSpPr>
+          <p:cNvPr id="4" name="Date Placeholder 3">
+            <a:extLst>
+              <a:ext uri="{FF2B5EF4-FFF2-40B4-BE49-F238E27FC236}">
+                <a16:creationId xmlns:a16="http://schemas.microsoft.com/office/drawing/2014/main" id="{D1B952D0-E462-4CD7-AB8C-FB4AE37E153C}"/>
+              </a:ext>
+            </a:extLst>
+          </p:cNvPr>
+          <p:cNvSpPr>
+            <a:spLocks noGrp="1"/>
+          </p:cNvSpPr>
+          <p:nvPr>
+            <p:ph type="dt" sz="half" idx="10"/>
+          </p:nvPr>
+        </p:nvSpPr>
+        <p:spPr/>
+        <p:txBody>
+          <a:bodyPr/>
+          <a:lstStyle/>
+          <a:p>
+            <a:fld id="{4830D67E-D22D-4A4C-9B3A-26181A3C2579}" type="datetimeFigureOut">
+              <a:rPr lang="nl-NL" smtClean="0"/>
+              <a:t>29-7-2025</a:t>
+            </a:fld>
+            <a:endParaRPr lang="nl-NL"/>
+          </a:p>
+        </p:txBody>
+      </p:sp>
+      <p:sp>
+        <p:nvSpPr>
+          <p:cNvPr id="5" name="Footer Placeholder 4">
+            <a:extLst>
+              <a:ext uri="{FF2B5EF4-FFF2-40B4-BE49-F238E27FC236}">
+                <a16:creationId xmlns:a16="http://schemas.microsoft.com/office/drawing/2014/main" id="{BB2074BB-A6D6-4CB3-9608-DC7410191CC8}"/>
+              </a:ext>
+            </a:extLst>
+          </p:cNvPr>
+          <p:cNvSpPr>
+            <a:spLocks noGrp="1"/>
+          </p:cNvSpPr>
+          <p:nvPr>
+            <p:ph type="ftr" sz="quarter" idx="11"/>
+          </p:nvPr>
+        </p:nvSpPr>
+        <p:spPr/>
+        <p:txBody>
+          <a:bodyPr/>
+          <a:lstStyle/>
+          <a:p>
+            <a:endParaRPr lang="nl-NL"/>
+          </a:p>
+        </p:txBody>
+      </p:sp>
+      <p:sp>
+        <p:nvSpPr>
+          <p:cNvPr id="6" name="Slide Number Placeholder 5">
+            <a:extLst>
+              <a:ext uri="{FF2B5EF4-FFF2-40B4-BE49-F238E27FC236}">
+                <a16:creationId xmlns:a16="http://schemas.microsoft.com/office/drawing/2014/main" id="{E3F05171-B0C5-4520-85C0-79FE870653C5}"/>
+              </a:ext>
+            </a:extLst>
+          </p:cNvPr>
+          <p:cNvSpPr>
+            <a:spLocks noGrp="1"/>
+          </p:cNvSpPr>
+          <p:nvPr>
+            <p:ph type="sldNum" sz="quarter" idx="12"/>
+          </p:nvPr>
+        </p:nvSpPr>
+        <p:spPr/>
+        <p:txBody>
+          <a:bodyPr/>
+          <a:lstStyle/>
+          <a:p>
+            <a:fld id="{C698B215-220E-4625-ADD6-78E8B3068885}" type="slidenum">
+              <a:rPr lang="nl-NL" smtClean="0"/>
+              <a:t>‹#›</a:t>
+            </a:fld>
+            <a:endParaRPr lang="nl-NL"/>
+          </a:p>
+        </p:txBody>
+      </p:sp>
+    </p:spTree>
+    <p:extLst>
+      <p:ext uri="{BB962C8B-B14F-4D97-AF65-F5344CB8AC3E}">
+        <p14:creationId xmlns:p14="http://schemas.microsoft.com/office/powerpoint/2010/main" val="2358387226"/>
       </p:ext>
     </p:extLst>
   </p:cSld>
@@ -8485,7 +8879,7 @@
           <a:p>
             <a:fld id="{DC11B0E6-9697-40A3-AD93-37D4A7A41591}" type="datetimeFigureOut">
               <a:rPr lang="en-US" smtClean="0"/>
-              <a:t>7/28/2025</a:t>
+              <a:t>7/29/2025</a:t>
             </a:fld>
             <a:endParaRPr lang="en-US"/>
           </a:p>
@@ -8760,7 +9154,7 @@
           <a:p>
             <a:fld id="{DC11B0E6-9697-40A3-AD93-37D4A7A41591}" type="datetimeFigureOut">
               <a:rPr lang="en-US" smtClean="0"/>
-              <a:t>7/28/2025</a:t>
+              <a:t>7/29/2025</a:t>
             </a:fld>
             <a:endParaRPr lang="en-US"/>
           </a:p>
@@ -9025,7 +9419,7 @@
           <a:p>
             <a:fld id="{DC11B0E6-9697-40A3-AD93-37D4A7A41591}" type="datetimeFigureOut">
               <a:rPr lang="en-US" smtClean="0"/>
-              <a:t>7/28/2025</a:t>
+              <a:t>7/29/2025</a:t>
             </a:fld>
             <a:endParaRPr lang="en-US"/>
           </a:p>
@@ -9437,7 +9831,7 @@
           <a:p>
             <a:fld id="{DC11B0E6-9697-40A3-AD93-37D4A7A41591}" type="datetimeFigureOut">
               <a:rPr lang="en-US" smtClean="0"/>
-              <a:t>7/28/2025</a:t>
+              <a:t>7/29/2025</a:t>
             </a:fld>
             <a:endParaRPr lang="en-US"/>
           </a:p>
@@ -9578,7 +9972,7 @@
           <a:p>
             <a:fld id="{DC11B0E6-9697-40A3-AD93-37D4A7A41591}" type="datetimeFigureOut">
               <a:rPr lang="en-US" smtClean="0"/>
-              <a:t>7/28/2025</a:t>
+              <a:t>7/29/2025</a:t>
             </a:fld>
             <a:endParaRPr lang="en-US"/>
           </a:p>
@@ -9691,7 +10085,7 @@
           <a:p>
             <a:fld id="{DC11B0E6-9697-40A3-AD93-37D4A7A41591}" type="datetimeFigureOut">
               <a:rPr lang="en-US" smtClean="0"/>
-              <a:t>7/28/2025</a:t>
+              <a:t>7/29/2025</a:t>
             </a:fld>
             <a:endParaRPr lang="en-US"/>
           </a:p>
@@ -10002,7 +10396,7 @@
           <a:p>
             <a:fld id="{DC11B0E6-9697-40A3-AD93-37D4A7A41591}" type="datetimeFigureOut">
               <a:rPr lang="en-US" smtClean="0"/>
-              <a:t>7/28/2025</a:t>
+              <a:t>7/29/2025</a:t>
             </a:fld>
             <a:endParaRPr lang="en-US"/>
           </a:p>
@@ -10290,7 +10684,7 @@
           <a:p>
             <a:fld id="{DC11B0E6-9697-40A3-AD93-37D4A7A41591}" type="datetimeFigureOut">
               <a:rPr lang="en-US" smtClean="0"/>
-              <a:t>7/28/2025</a:t>
+              <a:t>7/29/2025</a:t>
             </a:fld>
             <a:endParaRPr lang="en-US"/>
           </a:p>
@@ -10531,7 +10925,7 @@
           <a:p>
             <a:fld id="{DC11B0E6-9697-40A3-AD93-37D4A7A41591}" type="datetimeFigureOut">
               <a:rPr lang="en-US" smtClean="0"/>
-              <a:t>7/28/2025</a:t>
+              <a:t>7/29/2025</a:t>
             </a:fld>
             <a:endParaRPr lang="en-US"/>
           </a:p>
@@ -10931,7 +11325,842 @@
 </p:sldMaster>
 </file>
 
+<file path=ppt/slideMasters/slideMaster2.xml><?xml version="1.0" encoding="utf-8"?>
+<p:sldMaster xmlns:a="http://schemas.openxmlformats.org/drawingml/2006/main" xmlns:r="http://schemas.openxmlformats.org/officeDocument/2006/relationships" xmlns:p="http://schemas.openxmlformats.org/presentationml/2006/main">
+  <p:cSld>
+    <p:bg>
+      <p:bgRef idx="1001">
+        <a:schemeClr val="bg1"/>
+      </p:bgRef>
+    </p:bg>
+    <p:spTree>
+      <p:nvGrpSpPr>
+        <p:cNvPr id="1" name=""/>
+        <p:cNvGrpSpPr/>
+        <p:nvPr/>
+      </p:nvGrpSpPr>
+      <p:grpSpPr>
+        <a:xfrm>
+          <a:off x="0" y="0"/>
+          <a:ext cx="0" cy="0"/>
+          <a:chOff x="0" y="0"/>
+          <a:chExt cx="0" cy="0"/>
+        </a:xfrm>
+      </p:grpSpPr>
+      <p:sp>
+        <p:nvSpPr>
+          <p:cNvPr id="4" name="Date Placeholder 3"/>
+          <p:cNvSpPr>
+            <a:spLocks noGrp="1"/>
+          </p:cNvSpPr>
+          <p:nvPr>
+            <p:ph type="dt" sz="half" idx="2"/>
+          </p:nvPr>
+        </p:nvSpPr>
+        <p:spPr>
+          <a:xfrm>
+            <a:off x="218661" y="6356350"/>
+            <a:ext cx="2365513" cy="365125"/>
+          </a:xfrm>
+          <a:prstGeom prst="rect">
+            <a:avLst/>
+          </a:prstGeom>
+        </p:spPr>
+        <p:txBody>
+          <a:bodyPr vert="horz" lIns="91440" tIns="45720" rIns="91440" bIns="45720" rtlCol="0" anchor="ctr"/>
+          <a:lstStyle>
+            <a:lvl1pPr algn="l">
+              <a:defRPr sz="1200" cap="all" baseline="0">
+                <a:solidFill>
+                  <a:schemeClr val="tx1">
+                    <a:tint val="75000"/>
+                  </a:schemeClr>
+                </a:solidFill>
+                <a:latin typeface="Arial" panose="020B0604020202020204" pitchFamily="34" charset="0"/>
+              </a:defRPr>
+            </a:lvl1pPr>
+          </a:lstStyle>
+          <a:p>
+            <a:fld id="{8E469526-6E45-7F42-9A5B-A968FB10F2EF}" type="datetime3">
+              <a:rPr lang="en-US" smtClean="0"/>
+              <a:t>29 July 2025</a:t>
+            </a:fld>
+            <a:endParaRPr lang="en-US" dirty="0"/>
+          </a:p>
+        </p:txBody>
+      </p:sp>
+      <p:sp>
+        <p:nvSpPr>
+          <p:cNvPr id="5" name="Footer Placeholder 4"/>
+          <p:cNvSpPr>
+            <a:spLocks noGrp="1"/>
+          </p:cNvSpPr>
+          <p:nvPr>
+            <p:ph type="ftr" sz="quarter" idx="3"/>
+          </p:nvPr>
+        </p:nvSpPr>
+        <p:spPr>
+          <a:xfrm>
+            <a:off x="4015409" y="6356350"/>
+            <a:ext cx="6370982" cy="365125"/>
+          </a:xfrm>
+          <a:prstGeom prst="rect">
+            <a:avLst/>
+          </a:prstGeom>
+        </p:spPr>
+        <p:txBody>
+          <a:bodyPr vert="horz" lIns="91440" tIns="45720" rIns="91440" bIns="45720" rtlCol="0" anchor="ctr"/>
+          <a:lstStyle>
+            <a:lvl1pPr algn="l">
+              <a:defRPr sz="1200" cap="all" baseline="0">
+                <a:solidFill>
+                  <a:schemeClr val="tx1">
+                    <a:tint val="75000"/>
+                  </a:schemeClr>
+                </a:solidFill>
+                <a:latin typeface="Arial" panose="020B0604020202020204" pitchFamily="34" charset="0"/>
+              </a:defRPr>
+            </a:lvl1pPr>
+          </a:lstStyle>
+          <a:p>
+            <a:endParaRPr lang="en-US" dirty="0"/>
+          </a:p>
+        </p:txBody>
+      </p:sp>
+      <p:sp>
+        <p:nvSpPr>
+          <p:cNvPr id="6" name="Slide Number Placeholder 5"/>
+          <p:cNvSpPr>
+            <a:spLocks noGrp="1"/>
+          </p:cNvSpPr>
+          <p:nvPr>
+            <p:ph type="sldNum" sz="quarter" idx="4"/>
+          </p:nvPr>
+        </p:nvSpPr>
+        <p:spPr>
+          <a:xfrm>
+            <a:off x="11082130" y="6356350"/>
+            <a:ext cx="844826" cy="365125"/>
+          </a:xfrm>
+          <a:prstGeom prst="rect">
+            <a:avLst/>
+          </a:prstGeom>
+        </p:spPr>
+        <p:txBody>
+          <a:bodyPr vert="horz" lIns="91440" tIns="45720" rIns="91440" bIns="45720" rtlCol="0" anchor="ctr"/>
+          <a:lstStyle>
+            <a:lvl1pPr algn="r">
+              <a:defRPr sz="1200">
+                <a:solidFill>
+                  <a:schemeClr val="tx1">
+                    <a:tint val="75000"/>
+                  </a:schemeClr>
+                </a:solidFill>
+              </a:defRPr>
+            </a:lvl1pPr>
+          </a:lstStyle>
+          <a:p>
+            <a:fld id="{59D79D20-9926-6947-91A9-E826DAB4C488}" type="slidenum">
+              <a:rPr lang="en-US" smtClean="0"/>
+              <a:t>‹#›</a:t>
+            </a:fld>
+            <a:endParaRPr lang="en-US"/>
+          </a:p>
+        </p:txBody>
+      </p:sp>
+      <p:pic>
+        <p:nvPicPr>
+          <p:cNvPr id="8" name="Picture 7">
+            <a:extLst>
+              <a:ext uri="{FF2B5EF4-FFF2-40B4-BE49-F238E27FC236}">
+                <a16:creationId xmlns:a16="http://schemas.microsoft.com/office/drawing/2014/main" id="{C2310C1B-65DB-2343-8AA3-FE42BB8807D3}"/>
+              </a:ext>
+            </a:extLst>
+          </p:cNvPr>
+          <p:cNvPicPr>
+            <a:picLocks noChangeAspect="1"/>
+          </p:cNvPicPr>
+          <p:nvPr userDrawn="1"/>
+        </p:nvPicPr>
+        <p:blipFill>
+          <a:blip r:embed="rId3"/>
+          <a:stretch>
+            <a:fillRect/>
+          </a:stretch>
+        </p:blipFill>
+        <p:spPr>
+          <a:xfrm>
+            <a:off x="3332205" y="1500167"/>
+            <a:ext cx="5527589" cy="2757394"/>
+          </a:xfrm>
+          <a:prstGeom prst="rect">
+            <a:avLst/>
+          </a:prstGeom>
+        </p:spPr>
+      </p:pic>
+    </p:spTree>
+    <p:extLst>
+      <p:ext uri="{BB962C8B-B14F-4D97-AF65-F5344CB8AC3E}">
+        <p14:creationId xmlns:p14="http://schemas.microsoft.com/office/powerpoint/2010/main" val="1954053638"/>
+      </p:ext>
+    </p:extLst>
+  </p:cSld>
+  <p:clrMap bg1="lt1" tx1="dk1" bg2="lt2" tx2="dk2" accent1="accent1" accent2="accent2" accent3="accent3" accent4="accent4" accent5="accent5" accent6="accent6" hlink="hlink" folHlink="folHlink"/>
+  <p:sldLayoutIdLst>
+    <p:sldLayoutId id="2147484034" r:id="rId1"/>
+  </p:sldLayoutIdLst>
+  <p:hf hdr="0"/>
+  <p:txStyles>
+    <p:titleStyle>
+      <a:lvl1pPr algn="l" defTabSz="914400" rtl="0" eaLnBrk="1" latinLnBrk="0" hangingPunct="1">
+        <a:lnSpc>
+          <a:spcPct val="90000"/>
+        </a:lnSpc>
+        <a:spcBef>
+          <a:spcPct val="0"/>
+        </a:spcBef>
+        <a:buNone/>
+        <a:defRPr sz="3600" b="1" i="0" kern="1200" cap="all" baseline="0">
+          <a:solidFill>
+            <a:schemeClr val="tx1"/>
+          </a:solidFill>
+          <a:latin typeface="Arial Narrow" panose="020B0606020202030204" pitchFamily="34" charset="0"/>
+          <a:ea typeface="+mj-ea"/>
+          <a:cs typeface="+mj-cs"/>
+        </a:defRPr>
+      </a:lvl1pPr>
+    </p:titleStyle>
+    <p:bodyStyle>
+      <a:lvl1pPr marL="228600" indent="-228600" algn="l" defTabSz="914400" rtl="0" eaLnBrk="1" latinLnBrk="0" hangingPunct="1">
+        <a:lnSpc>
+          <a:spcPct val="90000"/>
+        </a:lnSpc>
+        <a:spcBef>
+          <a:spcPts val="1000"/>
+        </a:spcBef>
+        <a:buFont typeface="Arial" panose="020B0604020202020204" pitchFamily="34" charset="0"/>
+        <a:buChar char="•"/>
+        <a:defRPr sz="2800" kern="1200">
+          <a:solidFill>
+            <a:schemeClr val="tx1"/>
+          </a:solidFill>
+          <a:latin typeface="+mn-lt"/>
+          <a:ea typeface="+mn-ea"/>
+          <a:cs typeface="+mn-cs"/>
+        </a:defRPr>
+      </a:lvl1pPr>
+      <a:lvl2pPr marL="685800" indent="-228600" algn="l" defTabSz="914400" rtl="0" eaLnBrk="1" latinLnBrk="0" hangingPunct="1">
+        <a:lnSpc>
+          <a:spcPct val="90000"/>
+        </a:lnSpc>
+        <a:spcBef>
+          <a:spcPts val="500"/>
+        </a:spcBef>
+        <a:buFont typeface="Arial" panose="020B0604020202020204" pitchFamily="34" charset="0"/>
+        <a:buChar char="•"/>
+        <a:defRPr sz="2400" kern="1200">
+          <a:solidFill>
+            <a:schemeClr val="tx1"/>
+          </a:solidFill>
+          <a:latin typeface="+mn-lt"/>
+          <a:ea typeface="+mn-ea"/>
+          <a:cs typeface="+mn-cs"/>
+        </a:defRPr>
+      </a:lvl2pPr>
+      <a:lvl3pPr marL="1143000" indent="-228600" algn="l" defTabSz="914400" rtl="0" eaLnBrk="1" latinLnBrk="0" hangingPunct="1">
+        <a:lnSpc>
+          <a:spcPct val="90000"/>
+        </a:lnSpc>
+        <a:spcBef>
+          <a:spcPts val="500"/>
+        </a:spcBef>
+        <a:buFont typeface="Arial" panose="020B0604020202020204" pitchFamily="34" charset="0"/>
+        <a:buChar char="•"/>
+        <a:defRPr sz="2000" kern="1200">
+          <a:solidFill>
+            <a:schemeClr val="tx1"/>
+          </a:solidFill>
+          <a:latin typeface="+mn-lt"/>
+          <a:ea typeface="+mn-ea"/>
+          <a:cs typeface="+mn-cs"/>
+        </a:defRPr>
+      </a:lvl3pPr>
+      <a:lvl4pPr marL="1600200" indent="-228600" algn="l" defTabSz="914400" rtl="0" eaLnBrk="1" latinLnBrk="0" hangingPunct="1">
+        <a:lnSpc>
+          <a:spcPct val="90000"/>
+        </a:lnSpc>
+        <a:spcBef>
+          <a:spcPts val="500"/>
+        </a:spcBef>
+        <a:buFont typeface="Arial" panose="020B0604020202020204" pitchFamily="34" charset="0"/>
+        <a:buChar char="•"/>
+        <a:defRPr sz="1800" kern="1200">
+          <a:solidFill>
+            <a:schemeClr val="tx1"/>
+          </a:solidFill>
+          <a:latin typeface="+mn-lt"/>
+          <a:ea typeface="+mn-ea"/>
+          <a:cs typeface="+mn-cs"/>
+        </a:defRPr>
+      </a:lvl4pPr>
+      <a:lvl5pPr marL="2057400" indent="-228600" algn="l" defTabSz="914400" rtl="0" eaLnBrk="1" latinLnBrk="0" hangingPunct="1">
+        <a:lnSpc>
+          <a:spcPct val="90000"/>
+        </a:lnSpc>
+        <a:spcBef>
+          <a:spcPts val="500"/>
+        </a:spcBef>
+        <a:buFont typeface="Arial" panose="020B0604020202020204" pitchFamily="34" charset="0"/>
+        <a:buChar char="•"/>
+        <a:defRPr sz="1800" kern="1200">
+          <a:solidFill>
+            <a:schemeClr val="tx1"/>
+          </a:solidFill>
+          <a:latin typeface="+mn-lt"/>
+          <a:ea typeface="+mn-ea"/>
+          <a:cs typeface="+mn-cs"/>
+        </a:defRPr>
+      </a:lvl5pPr>
+      <a:lvl6pPr marL="2514600" indent="-228600" algn="l" defTabSz="914400" rtl="0" eaLnBrk="1" latinLnBrk="0" hangingPunct="1">
+        <a:lnSpc>
+          <a:spcPct val="90000"/>
+        </a:lnSpc>
+        <a:spcBef>
+          <a:spcPts val="500"/>
+        </a:spcBef>
+        <a:buFont typeface="Arial" panose="020B0604020202020204" pitchFamily="34" charset="0"/>
+        <a:buChar char="•"/>
+        <a:defRPr sz="1800" kern="1200">
+          <a:solidFill>
+            <a:schemeClr val="tx1"/>
+          </a:solidFill>
+          <a:latin typeface="+mn-lt"/>
+          <a:ea typeface="+mn-ea"/>
+          <a:cs typeface="+mn-cs"/>
+        </a:defRPr>
+      </a:lvl6pPr>
+      <a:lvl7pPr marL="2971800" indent="-228600" algn="l" defTabSz="914400" rtl="0" eaLnBrk="1" latinLnBrk="0" hangingPunct="1">
+        <a:lnSpc>
+          <a:spcPct val="90000"/>
+        </a:lnSpc>
+        <a:spcBef>
+          <a:spcPts val="500"/>
+        </a:spcBef>
+        <a:buFont typeface="Arial" panose="020B0604020202020204" pitchFamily="34" charset="0"/>
+        <a:buChar char="•"/>
+        <a:defRPr sz="1800" kern="1200">
+          <a:solidFill>
+            <a:schemeClr val="tx1"/>
+          </a:solidFill>
+          <a:latin typeface="+mn-lt"/>
+          <a:ea typeface="+mn-ea"/>
+          <a:cs typeface="+mn-cs"/>
+        </a:defRPr>
+      </a:lvl7pPr>
+      <a:lvl8pPr marL="3429000" indent="-228600" algn="l" defTabSz="914400" rtl="0" eaLnBrk="1" latinLnBrk="0" hangingPunct="1">
+        <a:lnSpc>
+          <a:spcPct val="90000"/>
+        </a:lnSpc>
+        <a:spcBef>
+          <a:spcPts val="500"/>
+        </a:spcBef>
+        <a:buFont typeface="Arial" panose="020B0604020202020204" pitchFamily="34" charset="0"/>
+        <a:buChar char="•"/>
+        <a:defRPr sz="1800" kern="1200">
+          <a:solidFill>
+            <a:schemeClr val="tx1"/>
+          </a:solidFill>
+          <a:latin typeface="+mn-lt"/>
+          <a:ea typeface="+mn-ea"/>
+          <a:cs typeface="+mn-cs"/>
+        </a:defRPr>
+      </a:lvl8pPr>
+      <a:lvl9pPr marL="3886200" indent="-228600" algn="l" defTabSz="914400" rtl="0" eaLnBrk="1" latinLnBrk="0" hangingPunct="1">
+        <a:lnSpc>
+          <a:spcPct val="90000"/>
+        </a:lnSpc>
+        <a:spcBef>
+          <a:spcPts val="500"/>
+        </a:spcBef>
+        <a:buFont typeface="Arial" panose="020B0604020202020204" pitchFamily="34" charset="0"/>
+        <a:buChar char="•"/>
+        <a:defRPr sz="1800" kern="1200">
+          <a:solidFill>
+            <a:schemeClr val="tx1"/>
+          </a:solidFill>
+          <a:latin typeface="+mn-lt"/>
+          <a:ea typeface="+mn-ea"/>
+          <a:cs typeface="+mn-cs"/>
+        </a:defRPr>
+      </a:lvl9pPr>
+    </p:bodyStyle>
+    <p:otherStyle>
+      <a:defPPr>
+        <a:defRPr lang="en-US"/>
+      </a:defPPr>
+      <a:lvl1pPr marL="0" algn="l" defTabSz="914400" rtl="0" eaLnBrk="1" latinLnBrk="0" hangingPunct="1">
+        <a:defRPr sz="1800" kern="1200">
+          <a:solidFill>
+            <a:schemeClr val="tx1"/>
+          </a:solidFill>
+          <a:latin typeface="+mn-lt"/>
+          <a:ea typeface="+mn-ea"/>
+          <a:cs typeface="+mn-cs"/>
+        </a:defRPr>
+      </a:lvl1pPr>
+      <a:lvl2pPr marL="457200" algn="l" defTabSz="914400" rtl="0" eaLnBrk="1" latinLnBrk="0" hangingPunct="1">
+        <a:defRPr sz="1800" kern="1200">
+          <a:solidFill>
+            <a:schemeClr val="tx1"/>
+          </a:solidFill>
+          <a:latin typeface="+mn-lt"/>
+          <a:ea typeface="+mn-ea"/>
+          <a:cs typeface="+mn-cs"/>
+        </a:defRPr>
+      </a:lvl2pPr>
+      <a:lvl3pPr marL="914400" algn="l" defTabSz="914400" rtl="0" eaLnBrk="1" latinLnBrk="0" hangingPunct="1">
+        <a:defRPr sz="1800" kern="1200">
+          <a:solidFill>
+            <a:schemeClr val="tx1"/>
+          </a:solidFill>
+          <a:latin typeface="+mn-lt"/>
+          <a:ea typeface="+mn-ea"/>
+          <a:cs typeface="+mn-cs"/>
+        </a:defRPr>
+      </a:lvl3pPr>
+      <a:lvl4pPr marL="1371600" algn="l" defTabSz="914400" rtl="0" eaLnBrk="1" latinLnBrk="0" hangingPunct="1">
+        <a:defRPr sz="1800" kern="1200">
+          <a:solidFill>
+            <a:schemeClr val="tx1"/>
+          </a:solidFill>
+          <a:latin typeface="+mn-lt"/>
+          <a:ea typeface="+mn-ea"/>
+          <a:cs typeface="+mn-cs"/>
+        </a:defRPr>
+      </a:lvl4pPr>
+      <a:lvl5pPr marL="1828800" algn="l" defTabSz="914400" rtl="0" eaLnBrk="1" latinLnBrk="0" hangingPunct="1">
+        <a:defRPr sz="1800" kern="1200">
+          <a:solidFill>
+            <a:schemeClr val="tx1"/>
+          </a:solidFill>
+          <a:latin typeface="+mn-lt"/>
+          <a:ea typeface="+mn-ea"/>
+          <a:cs typeface="+mn-cs"/>
+        </a:defRPr>
+      </a:lvl5pPr>
+      <a:lvl6pPr marL="2286000" algn="l" defTabSz="914400" rtl="0" eaLnBrk="1" latinLnBrk="0" hangingPunct="1">
+        <a:defRPr sz="1800" kern="1200">
+          <a:solidFill>
+            <a:schemeClr val="tx1"/>
+          </a:solidFill>
+          <a:latin typeface="+mn-lt"/>
+          <a:ea typeface="+mn-ea"/>
+          <a:cs typeface="+mn-cs"/>
+        </a:defRPr>
+      </a:lvl6pPr>
+      <a:lvl7pPr marL="2743200" algn="l" defTabSz="914400" rtl="0" eaLnBrk="1" latinLnBrk="0" hangingPunct="1">
+        <a:defRPr sz="1800" kern="1200">
+          <a:solidFill>
+            <a:schemeClr val="tx1"/>
+          </a:solidFill>
+          <a:latin typeface="+mn-lt"/>
+          <a:ea typeface="+mn-ea"/>
+          <a:cs typeface="+mn-cs"/>
+        </a:defRPr>
+      </a:lvl7pPr>
+      <a:lvl8pPr marL="3200400" algn="l" defTabSz="914400" rtl="0" eaLnBrk="1" latinLnBrk="0" hangingPunct="1">
+        <a:defRPr sz="1800" kern="1200">
+          <a:solidFill>
+            <a:schemeClr val="tx1"/>
+          </a:solidFill>
+          <a:latin typeface="+mn-lt"/>
+          <a:ea typeface="+mn-ea"/>
+          <a:cs typeface="+mn-cs"/>
+        </a:defRPr>
+      </a:lvl8pPr>
+      <a:lvl9pPr marL="3657600" algn="l" defTabSz="914400" rtl="0" eaLnBrk="1" latinLnBrk="0" hangingPunct="1">
+        <a:defRPr sz="1800" kern="1200">
+          <a:solidFill>
+            <a:schemeClr val="tx1"/>
+          </a:solidFill>
+          <a:latin typeface="+mn-lt"/>
+          <a:ea typeface="+mn-ea"/>
+          <a:cs typeface="+mn-cs"/>
+        </a:defRPr>
+      </a:lvl9pPr>
+    </p:otherStyle>
+  </p:txStyles>
+</p:sldMaster>
+</file>
+
 <file path=ppt/slides/slide1.xml><?xml version="1.0" encoding="utf-8"?>
+<p:sld xmlns:a="http://schemas.openxmlformats.org/drawingml/2006/main" xmlns:r="http://schemas.openxmlformats.org/officeDocument/2006/relationships" xmlns:p="http://schemas.openxmlformats.org/presentationml/2006/main" showMasterSp="0">
+  <p:cSld>
+    <p:spTree>
+      <p:nvGrpSpPr>
+        <p:cNvPr id="1" name=""/>
+        <p:cNvGrpSpPr/>
+        <p:nvPr/>
+      </p:nvGrpSpPr>
+      <p:grpSpPr>
+        <a:xfrm>
+          <a:off x="0" y="0"/>
+          <a:ext cx="0" cy="0"/>
+          <a:chOff x="0" y="0"/>
+          <a:chExt cx="0" cy="0"/>
+        </a:xfrm>
+      </p:grpSpPr>
+      <p:sp>
+        <p:nvSpPr>
+          <p:cNvPr id="2" name="Title 1">
+            <a:extLst>
+              <a:ext uri="{FF2B5EF4-FFF2-40B4-BE49-F238E27FC236}">
+                <a16:creationId xmlns:a16="http://schemas.microsoft.com/office/drawing/2014/main" id="{00EEBDCC-EB26-4FB3-B42B-66516F6C2BFA}"/>
+              </a:ext>
+            </a:extLst>
+          </p:cNvPr>
+          <p:cNvSpPr>
+            <a:spLocks noGrp="1"/>
+          </p:cNvSpPr>
+          <p:nvPr>
+            <p:ph type="ctrTitle"/>
+          </p:nvPr>
+        </p:nvSpPr>
+        <p:spPr>
+          <a:xfrm>
+            <a:off x="387350" y="2438396"/>
+            <a:ext cx="11417300" cy="1795978"/>
+          </a:xfrm>
+        </p:spPr>
+        <p:txBody>
+          <a:bodyPr/>
+          <a:lstStyle/>
+          <a:p>
+            <a:pPr>
+              <a:lnSpc>
+                <a:spcPct val="150000"/>
+              </a:lnSpc>
+            </a:pPr>
+            <a:r>
+              <a:rPr kumimoji="0" lang="en-US" sz="4000" b="1" i="0" u="none" strike="noStrike" kern="1200" cap="none" spc="0" normalizeH="0" baseline="0" noProof="0" dirty="0">
+                <a:ln>
+                  <a:noFill/>
+                </a:ln>
+                <a:effectLst/>
+                <a:uLnTx/>
+                <a:uFillTx/>
+                <a:latin typeface="Garamond" panose="02020404030301010803" pitchFamily="18" charset="0"/>
+                <a:ea typeface="+mj-ea"/>
+                <a:cs typeface="+mj-cs"/>
+              </a:rPr>
+              <a:t>Energy Management for Train Operation</a:t>
+            </a:r>
+            <a:br>
+              <a:rPr kumimoji="0" lang="en-US" sz="4000" b="1" i="0" u="none" strike="noStrike" kern="1200" cap="none" spc="0" normalizeH="0" baseline="0" noProof="0" dirty="0">
+                <a:ln>
+                  <a:noFill/>
+                </a:ln>
+                <a:effectLst/>
+                <a:uLnTx/>
+                <a:uFillTx/>
+                <a:latin typeface="Garamond" panose="02020404030301010803" pitchFamily="18" charset="0"/>
+                <a:ea typeface="+mj-ea"/>
+                <a:cs typeface="+mj-cs"/>
+              </a:rPr>
+            </a:br>
+            <a:r>
+              <a:rPr kumimoji="0" lang="en-US" sz="2800" b="1" i="0" u="none" strike="noStrike" kern="1200" cap="none" spc="0" normalizeH="0" baseline="0" noProof="0" dirty="0">
+                <a:ln>
+                  <a:noFill/>
+                </a:ln>
+                <a:effectLst/>
+                <a:uLnTx/>
+                <a:uFillTx/>
+                <a:latin typeface="Garamond" panose="02020404030301010803" pitchFamily="18" charset="0"/>
+                <a:ea typeface="+mj-ea"/>
+                <a:cs typeface="+mj-cs"/>
+              </a:rPr>
+              <a:t> </a:t>
+            </a:r>
+            <a:r>
+              <a:rPr kumimoji="0" lang="en-US" sz="3200" b="1" i="0" u="none" strike="noStrike" kern="1200" cap="none" spc="0" normalizeH="0" baseline="0" noProof="0" dirty="0">
+                <a:ln>
+                  <a:noFill/>
+                </a:ln>
+                <a:effectLst/>
+                <a:uLnTx/>
+                <a:uFillTx/>
+                <a:latin typeface="Garamond" panose="02020404030301010803" pitchFamily="18" charset="0"/>
+                <a:ea typeface="+mj-ea"/>
+                <a:cs typeface="+mj-cs"/>
+              </a:rPr>
+              <a:t>in a </a:t>
+            </a:r>
+            <a:r>
+              <a:rPr kumimoji="0" lang="en-US" sz="3200" b="1" i="0" u="none" strike="noStrike" kern="1200" cap="none" spc="0" normalizeH="0" baseline="0" noProof="0">
+                <a:ln>
+                  <a:noFill/>
+                </a:ln>
+                <a:effectLst/>
+                <a:uLnTx/>
+                <a:uFillTx/>
+                <a:latin typeface="Garamond" panose="02020404030301010803" pitchFamily="18" charset="0"/>
+                <a:ea typeface="+mj-ea"/>
+                <a:cs typeface="+mj-cs"/>
+              </a:rPr>
+              <a:t>Sustainable Environment</a:t>
+            </a:r>
+            <a:endParaRPr lang="nl-NL" dirty="0"/>
+          </a:p>
+        </p:txBody>
+      </p:sp>
+      <p:pic>
+        <p:nvPicPr>
+          <p:cNvPr id="7" name="Picture 6" descr="Text&#10;&#10;Description automatically generated">
+            <a:extLst>
+              <a:ext uri="{FF2B5EF4-FFF2-40B4-BE49-F238E27FC236}">
+                <a16:creationId xmlns:a16="http://schemas.microsoft.com/office/drawing/2014/main" id="{75F4370B-ECA9-4080-9AB3-4C88E06AD5E4}"/>
+              </a:ext>
+            </a:extLst>
+          </p:cNvPr>
+          <p:cNvPicPr>
+            <a:picLocks noChangeAspect="1"/>
+          </p:cNvPicPr>
+          <p:nvPr/>
+        </p:nvPicPr>
+        <p:blipFill rotWithShape="1">
+          <a:blip r:embed="rId2">
+            <a:extLst>
+              <a:ext uri="{28A0092B-C50C-407E-A947-70E740481C1C}">
+                <a14:useLocalDpi xmlns:a14="http://schemas.microsoft.com/office/drawing/2010/main" val="0"/>
+              </a:ext>
+            </a:extLst>
+          </a:blip>
+          <a:srcRect l="8426" t="11209" r="7703" b="14442"/>
+          <a:stretch/>
+        </p:blipFill>
+        <p:spPr>
+          <a:xfrm>
+            <a:off x="586748" y="157852"/>
+            <a:ext cx="2676827" cy="1186482"/>
+          </a:xfrm>
+          <a:prstGeom prst="rect">
+            <a:avLst/>
+          </a:prstGeom>
+        </p:spPr>
+      </p:pic>
+      <p:sp>
+        <p:nvSpPr>
+          <p:cNvPr id="3" name="Title 1">
+            <a:extLst>
+              <a:ext uri="{FF2B5EF4-FFF2-40B4-BE49-F238E27FC236}">
+                <a16:creationId xmlns:a16="http://schemas.microsoft.com/office/drawing/2014/main" id="{F453EEC9-4226-556C-189C-DEFD2D77A473}"/>
+              </a:ext>
+            </a:extLst>
+          </p:cNvPr>
+          <p:cNvSpPr txBox="1">
+            <a:spLocks/>
+          </p:cNvSpPr>
+          <p:nvPr/>
+        </p:nvSpPr>
+        <p:spPr>
+          <a:xfrm>
+            <a:off x="387350" y="3942937"/>
+            <a:ext cx="11417300" cy="1795978"/>
+          </a:xfrm>
+        </p:spPr>
+        <p:txBody>
+          <a:bodyPr anchor="b"/>
+          <a:lstStyle>
+            <a:lvl1pPr algn="ctr" defTabSz="914400" rtl="0" eaLnBrk="1" latinLnBrk="0" hangingPunct="1">
+              <a:lnSpc>
+                <a:spcPct val="90000"/>
+              </a:lnSpc>
+              <a:spcBef>
+                <a:spcPct val="0"/>
+              </a:spcBef>
+              <a:buNone/>
+              <a:defRPr sz="6000" b="1" i="0" kern="1200" cap="all" baseline="0">
+                <a:solidFill>
+                  <a:schemeClr val="tx1"/>
+                </a:solidFill>
+                <a:latin typeface="Arial Narrow" panose="020B0606020202030204" pitchFamily="34" charset="0"/>
+                <a:ea typeface="+mj-ea"/>
+                <a:cs typeface="+mj-cs"/>
+              </a:defRPr>
+            </a:lvl1pPr>
+          </a:lstStyle>
+          <a:p>
+            <a:pPr>
+              <a:lnSpc>
+                <a:spcPct val="150000"/>
+              </a:lnSpc>
+            </a:pPr>
+            <a:r>
+              <a:rPr lang="en-US" sz="2800" cap="none" dirty="0">
+                <a:latin typeface="Garamond" panose="02020404030301010803" pitchFamily="18" charset="0"/>
+              </a:rPr>
+              <a:t>Presenter: Hamed Darbandi</a:t>
+            </a:r>
+            <a:endParaRPr lang="nl-NL" sz="4400" dirty="0"/>
+          </a:p>
+        </p:txBody>
+      </p:sp>
+      <p:pic>
+        <p:nvPicPr>
+          <p:cNvPr id="1026" name="Picture 2">
+            <a:extLst>
+              <a:ext uri="{FF2B5EF4-FFF2-40B4-BE49-F238E27FC236}">
+                <a16:creationId xmlns:a16="http://schemas.microsoft.com/office/drawing/2014/main" id="{73425EF9-A19B-BC0E-A132-07E86B608FF0}"/>
+              </a:ext>
+            </a:extLst>
+          </p:cNvPr>
+          <p:cNvPicPr>
+            <a:picLocks noChangeAspect="1" noChangeArrowheads="1"/>
+          </p:cNvPicPr>
+          <p:nvPr/>
+        </p:nvPicPr>
+        <p:blipFill>
+          <a:blip r:embed="rId3">
+            <a:extLst>
+              <a:ext uri="{28A0092B-C50C-407E-A947-70E740481C1C}">
+                <a14:useLocalDpi xmlns:a14="http://schemas.microsoft.com/office/drawing/2010/main" val="0"/>
+              </a:ext>
+            </a:extLst>
+          </a:blip>
+          <a:srcRect/>
+          <a:stretch>
+            <a:fillRect/>
+          </a:stretch>
+        </p:blipFill>
+        <p:spPr bwMode="auto">
+          <a:xfrm>
+            <a:off x="4151980" y="398036"/>
+            <a:ext cx="1722356" cy="777387"/>
+          </a:xfrm>
+          <a:prstGeom prst="rect">
+            <a:avLst/>
+          </a:prstGeom>
+          <a:noFill/>
+          <a:extLst>
+            <a:ext uri="{909E8E84-426E-40DD-AFC4-6F175D3DCCD1}">
+              <a14:hiddenFill xmlns:a14="http://schemas.microsoft.com/office/drawing/2010/main">
+                <a:solidFill>
+                  <a:srgbClr val="FFFFFF"/>
+                </a:solidFill>
+              </a14:hiddenFill>
+            </a:ext>
+          </a:extLst>
+        </p:spPr>
+      </p:pic>
+      <p:pic>
+        <p:nvPicPr>
+          <p:cNvPr id="4" name="Picture 2">
+            <a:extLst>
+              <a:ext uri="{FF2B5EF4-FFF2-40B4-BE49-F238E27FC236}">
+                <a16:creationId xmlns:a16="http://schemas.microsoft.com/office/drawing/2014/main" id="{7309573D-4456-0D27-8573-B180BDB0AECD}"/>
+              </a:ext>
+            </a:extLst>
+          </p:cNvPr>
+          <p:cNvPicPr>
+            <a:picLocks noChangeAspect="1" noChangeArrowheads="1"/>
+          </p:cNvPicPr>
+          <p:nvPr/>
+        </p:nvPicPr>
+        <p:blipFill>
+          <a:blip r:embed="rId4">
+            <a:extLst>
+              <a:ext uri="{28A0092B-C50C-407E-A947-70E740481C1C}">
+                <a14:useLocalDpi xmlns:a14="http://schemas.microsoft.com/office/drawing/2010/main" val="0"/>
+              </a:ext>
+            </a:extLst>
+          </a:blip>
+          <a:srcRect/>
+          <a:stretch>
+            <a:fillRect/>
+          </a:stretch>
+        </p:blipFill>
+        <p:spPr bwMode="auto">
+          <a:xfrm>
+            <a:off x="9505525" y="534711"/>
+            <a:ext cx="1570193" cy="619264"/>
+          </a:xfrm>
+          <a:prstGeom prst="rect">
+            <a:avLst/>
+          </a:prstGeom>
+          <a:noFill/>
+          <a:extLst>
+            <a:ext uri="{909E8E84-426E-40DD-AFC4-6F175D3DCCD1}">
+              <a14:hiddenFill xmlns:a14="http://schemas.microsoft.com/office/drawing/2010/main">
+                <a:solidFill>
+                  <a:srgbClr val="FFFFFF"/>
+                </a:solidFill>
+              </a14:hiddenFill>
+            </a:ext>
+          </a:extLst>
+        </p:spPr>
+      </p:pic>
+      <p:pic>
+        <p:nvPicPr>
+          <p:cNvPr id="1030" name="Picture 6">
+            <a:extLst>
+              <a:ext uri="{FF2B5EF4-FFF2-40B4-BE49-F238E27FC236}">
+                <a16:creationId xmlns:a16="http://schemas.microsoft.com/office/drawing/2014/main" id="{03A902DD-C93C-15DA-A7BF-485A95242FF9}"/>
+              </a:ext>
+            </a:extLst>
+          </p:cNvPr>
+          <p:cNvPicPr>
+            <a:picLocks noChangeAspect="1" noChangeArrowheads="1"/>
+          </p:cNvPicPr>
+          <p:nvPr/>
+        </p:nvPicPr>
+        <p:blipFill>
+          <a:blip r:embed="rId5">
+            <a:extLst>
+              <a:ext uri="{28A0092B-C50C-407E-A947-70E740481C1C}">
+                <a14:useLocalDpi xmlns:a14="http://schemas.microsoft.com/office/drawing/2010/main" val="0"/>
+              </a:ext>
+            </a:extLst>
+          </a:blip>
+          <a:srcRect/>
+          <a:stretch>
+            <a:fillRect/>
+          </a:stretch>
+        </p:blipFill>
+        <p:spPr bwMode="auto">
+          <a:xfrm>
+            <a:off x="6768529" y="615411"/>
+            <a:ext cx="1947504" cy="465956"/>
+          </a:xfrm>
+          <a:prstGeom prst="rect">
+            <a:avLst/>
+          </a:prstGeom>
+          <a:noFill/>
+          <a:extLst>
+            <a:ext uri="{909E8E84-426E-40DD-AFC4-6F175D3DCCD1}">
+              <a14:hiddenFill xmlns:a14="http://schemas.microsoft.com/office/drawing/2010/main">
+                <a:solidFill>
+                  <a:srgbClr val="FFFFFF"/>
+                </a:solidFill>
+              </a14:hiddenFill>
+            </a:ext>
+          </a:extLst>
+        </p:spPr>
+      </p:pic>
+    </p:spTree>
+    <p:extLst>
+      <p:ext uri="{BB962C8B-B14F-4D97-AF65-F5344CB8AC3E}">
+        <p14:creationId xmlns:p14="http://schemas.microsoft.com/office/powerpoint/2010/main" val="2289031963"/>
+      </p:ext>
+    </p:extLst>
+  </p:cSld>
+  <p:clrMapOvr>
+    <a:masterClrMapping/>
+  </p:clrMapOvr>
+</p:sld>
+</file>
+
+<file path=ppt/slides/slide2.xml><?xml version="1.0" encoding="utf-8"?>
 <p:sld xmlns:a="http://schemas.openxmlformats.org/drawingml/2006/main" xmlns:r="http://schemas.openxmlformats.org/officeDocument/2006/relationships" xmlns:p="http://schemas.openxmlformats.org/presentationml/2006/main">
   <p:cSld>
     <p:bg>
@@ -11061,7 +12290,7 @@
 </p:sld>
 </file>
 
-<file path=ppt/slides/slide2.xml><?xml version="1.0" encoding="utf-8"?>
+<file path=ppt/slides/slide3.xml><?xml version="1.0" encoding="utf-8"?>
 <p:sld xmlns:a="http://schemas.openxmlformats.org/drawingml/2006/main" xmlns:r="http://schemas.openxmlformats.org/officeDocument/2006/relationships" xmlns:p="http://schemas.openxmlformats.org/presentationml/2006/main">
   <p:cSld>
     <p:bg>
@@ -11188,6 +12417,99 @@
     <p:extLst>
       <p:ext uri="{BB962C8B-B14F-4D97-AF65-F5344CB8AC3E}">
         <p14:creationId xmlns:p14="http://schemas.microsoft.com/office/powerpoint/2010/main" val="226859821"/>
+      </p:ext>
+    </p:extLst>
+  </p:cSld>
+  <p:clrMapOvr>
+    <a:masterClrMapping/>
+  </p:clrMapOvr>
+</p:sld>
+</file>
+
+<file path=ppt/slides/slide4.xml><?xml version="1.0" encoding="utf-8"?>
+<p:sld xmlns:a="http://schemas.openxmlformats.org/drawingml/2006/main" xmlns:r="http://schemas.openxmlformats.org/officeDocument/2006/relationships" xmlns:p="http://schemas.openxmlformats.org/presentationml/2006/main">
+  <p:cSld>
+    <p:spTree>
+      <p:nvGrpSpPr>
+        <p:cNvPr id="1" name=""/>
+        <p:cNvGrpSpPr/>
+        <p:nvPr/>
+      </p:nvGrpSpPr>
+      <p:grpSpPr>
+        <a:xfrm>
+          <a:off x="0" y="0"/>
+          <a:ext cx="0" cy="0"/>
+          <a:chOff x="0" y="0"/>
+          <a:chExt cx="0" cy="0"/>
+        </a:xfrm>
+      </p:grpSpPr>
+      <p:sp>
+        <p:nvSpPr>
+          <p:cNvPr id="2" name="Title 1">
+            <a:extLst>
+              <a:ext uri="{FF2B5EF4-FFF2-40B4-BE49-F238E27FC236}">
+                <a16:creationId xmlns:a16="http://schemas.microsoft.com/office/drawing/2014/main" id="{96887403-1A6D-48AA-DFAB-1649BBA144C7}"/>
+              </a:ext>
+            </a:extLst>
+          </p:cNvPr>
+          <p:cNvSpPr>
+            <a:spLocks noGrp="1"/>
+          </p:cNvSpPr>
+          <p:nvPr>
+            <p:ph type="title"/>
+          </p:nvPr>
+        </p:nvSpPr>
+        <p:spPr/>
+        <p:txBody>
+          <a:bodyPr/>
+          <a:lstStyle/>
+          <a:p>
+            <a:r>
+              <a:rPr lang="en-US" dirty="0"/>
+              <a:t>Flowchart</a:t>
+            </a:r>
+          </a:p>
+        </p:txBody>
+      </p:sp>
+      <p:pic>
+        <p:nvPicPr>
+          <p:cNvPr id="5" name="Content Placeholder 4" descr="A diagram of energy management model&#10;&#10;AI-generated content may be incorrect.">
+            <a:extLst>
+              <a:ext uri="{FF2B5EF4-FFF2-40B4-BE49-F238E27FC236}">
+                <a16:creationId xmlns:a16="http://schemas.microsoft.com/office/drawing/2014/main" id="{03D39276-A5BD-C050-807D-E446FCB4D0EC}"/>
+              </a:ext>
+            </a:extLst>
+          </p:cNvPr>
+          <p:cNvPicPr>
+            <a:picLocks noGrp="1" noChangeAspect="1"/>
+          </p:cNvPicPr>
+          <p:nvPr>
+            <p:ph idx="1"/>
+          </p:nvPr>
+        </p:nvPicPr>
+        <p:blipFill>
+          <a:blip r:embed="rId2">
+            <a:extLst>
+              <a:ext uri="{28A0092B-C50C-407E-A947-70E740481C1C}">
+                <a14:useLocalDpi xmlns:a14="http://schemas.microsoft.com/office/drawing/2010/main" val="0"/>
+              </a:ext>
+            </a:extLst>
+          </a:blip>
+          <a:stretch>
+            <a:fillRect/>
+          </a:stretch>
+        </p:blipFill>
+        <p:spPr>
+          <a:xfrm>
+            <a:off x="2067301" y="1825625"/>
+            <a:ext cx="8057397" cy="4351338"/>
+          </a:xfrm>
+        </p:spPr>
+      </p:pic>
+    </p:spTree>
+    <p:extLst>
+      <p:ext uri="{BB962C8B-B14F-4D97-AF65-F5344CB8AC3E}">
+        <p14:creationId xmlns:p14="http://schemas.microsoft.com/office/powerpoint/2010/main" val="1117176596"/>
       </p:ext>
     </p:extLst>
   </p:cSld>
@@ -11510,4 +12832,265 @@
     </a:ext>
   </a:extLst>
 </a:theme>
+</file>
+
+<file path=ppt/theme/theme2.xml><?xml version="1.0" encoding="utf-8"?>
+<a:theme xmlns:a="http://schemas.openxmlformats.org/drawingml/2006/main" name="UT Title slide White">
+  <a:themeElements>
+    <a:clrScheme name="UT colors">
+      <a:dk1>
+        <a:srgbClr val="000000"/>
+      </a:dk1>
+      <a:lt1>
+        <a:srgbClr val="FFFFFF"/>
+      </a:lt1>
+      <a:dk2>
+        <a:srgbClr val="616365"/>
+      </a:dk2>
+      <a:lt2>
+        <a:srgbClr val="ADAFAF"/>
+      </a:lt2>
+      <a:accent1>
+        <a:srgbClr val="63B1E5"/>
+      </a:accent1>
+      <a:accent2>
+        <a:srgbClr val="EC7908"/>
+      </a:accent2>
+      <a:accent3>
+        <a:srgbClr val="CF0071"/>
+      </a:accent3>
+      <a:accent4>
+        <a:srgbClr val="FED100"/>
+      </a:accent4>
+      <a:accent5>
+        <a:srgbClr val="0093B3"/>
+      </a:accent5>
+      <a:accent6>
+        <a:srgbClr val="34B234"/>
+      </a:accent6>
+      <a:hlink>
+        <a:srgbClr val="002C5F"/>
+      </a:hlink>
+      <a:folHlink>
+        <a:srgbClr val="C60C30"/>
+      </a:folHlink>
+    </a:clrScheme>
+    <a:fontScheme name="Arial">
+      <a:majorFont>
+        <a:latin typeface="Arial" panose="020B0604020202020204"/>
+        <a:ea typeface=""/>
+        <a:cs typeface=""/>
+        <a:font script="Jpan" typeface="ＭＳ Ｐゴシック"/>
+        <a:font script="Hang" typeface="굴림"/>
+        <a:font script="Hans" typeface="黑体"/>
+        <a:font script="Hant" typeface="微軟正黑體"/>
+        <a:font script="Arab" typeface="Arial"/>
+        <a:font script="Hebr" typeface="Arial"/>
+        <a:font script="Thai" typeface="Cordia New"/>
+        <a:font script="Ethi" typeface="Nyala"/>
+        <a:font script="Beng" typeface="Vrinda"/>
+        <a:font script="Gujr" typeface="Shruti"/>
+        <a:font script="Khmr" typeface="DaunPenh"/>
+        <a:font script="Knda" typeface="Tunga"/>
+        <a:font script="Guru" typeface="Raavi"/>
+        <a:font script="Cans" typeface="Euphemia"/>
+        <a:font script="Cher" typeface="Plantagenet Cherokee"/>
+        <a:font script="Yiii" typeface="Microsoft Yi Baiti"/>
+        <a:font script="Tibt" typeface="Microsoft Himalaya"/>
+        <a:font script="Thaa" typeface="MV Boli"/>
+        <a:font script="Deva" typeface="Mangal"/>
+        <a:font script="Telu" typeface="Gautami"/>
+        <a:font script="Taml" typeface="Latha"/>
+        <a:font script="Syrc" typeface="Estrangelo Edessa"/>
+        <a:font script="Orya" typeface="Kalinga"/>
+        <a:font script="Mlym" typeface="Kartika"/>
+        <a:font script="Laoo" typeface="DokChampa"/>
+        <a:font script="Sinh" typeface="Iskoola Pota"/>
+        <a:font script="Mong" typeface="Mongolian Baiti"/>
+        <a:font script="Viet" typeface="Arial"/>
+        <a:font script="Uigh" typeface="Microsoft Uighur"/>
+        <a:font script="Geor" typeface="Sylfaen"/>
+      </a:majorFont>
+      <a:minorFont>
+        <a:latin typeface="Arial" panose="020B0604020202020204"/>
+        <a:ea typeface=""/>
+        <a:cs typeface=""/>
+        <a:font script="Jpan" typeface="ＭＳ Ｐゴシック"/>
+        <a:font script="Hang" typeface="굴림"/>
+        <a:font script="Hans" typeface="黑体"/>
+        <a:font script="Hant" typeface="微軟正黑體"/>
+        <a:font script="Arab" typeface="Arial"/>
+        <a:font script="Hebr" typeface="Arial"/>
+        <a:font script="Thai" typeface="Cordia New"/>
+        <a:font script="Ethi" typeface="Nyala"/>
+        <a:font script="Beng" typeface="Vrinda"/>
+        <a:font script="Gujr" typeface="Shruti"/>
+        <a:font script="Khmr" typeface="DaunPenh"/>
+        <a:font script="Knda" typeface="Tunga"/>
+        <a:font script="Guru" typeface="Raavi"/>
+        <a:font script="Cans" typeface="Euphemia"/>
+        <a:font script="Cher" typeface="Plantagenet Cherokee"/>
+        <a:font script="Yiii" typeface="Microsoft Yi Baiti"/>
+        <a:font script="Tibt" typeface="Microsoft Himalaya"/>
+        <a:font script="Thaa" typeface="MV Boli"/>
+        <a:font script="Deva" typeface="Mangal"/>
+        <a:font script="Telu" typeface="Gautami"/>
+        <a:font script="Taml" typeface="Latha"/>
+        <a:font script="Syrc" typeface="Estrangelo Edessa"/>
+        <a:font script="Orya" typeface="Kalinga"/>
+        <a:font script="Mlym" typeface="Kartika"/>
+        <a:font script="Laoo" typeface="DokChampa"/>
+        <a:font script="Sinh" typeface="Iskoola Pota"/>
+        <a:font script="Mong" typeface="Mongolian Baiti"/>
+        <a:font script="Viet" typeface="Arial"/>
+        <a:font script="Uigh" typeface="Microsoft Uighur"/>
+        <a:font script="Geor" typeface="Sylfaen"/>
+      </a:minorFont>
+    </a:fontScheme>
+    <a:fmtScheme name="Office Theme">
+      <a:fillStyleLst>
+        <a:solidFill>
+          <a:schemeClr val="phClr"/>
+        </a:solidFill>
+        <a:gradFill rotWithShape="1">
+          <a:gsLst>
+            <a:gs pos="0">
+              <a:schemeClr val="phClr">
+                <a:lumMod val="110000"/>
+                <a:satMod val="105000"/>
+                <a:tint val="67000"/>
+              </a:schemeClr>
+            </a:gs>
+            <a:gs pos="50000">
+              <a:schemeClr val="phClr">
+                <a:lumMod val="105000"/>
+                <a:satMod val="103000"/>
+                <a:tint val="73000"/>
+              </a:schemeClr>
+            </a:gs>
+            <a:gs pos="100000">
+              <a:schemeClr val="phClr">
+                <a:lumMod val="105000"/>
+                <a:satMod val="109000"/>
+                <a:tint val="81000"/>
+              </a:schemeClr>
+            </a:gs>
+          </a:gsLst>
+          <a:lin ang="5400000" scaled="0"/>
+        </a:gradFill>
+        <a:gradFill rotWithShape="1">
+          <a:gsLst>
+            <a:gs pos="0">
+              <a:schemeClr val="phClr">
+                <a:satMod val="103000"/>
+                <a:lumMod val="102000"/>
+                <a:tint val="94000"/>
+              </a:schemeClr>
+            </a:gs>
+            <a:gs pos="50000">
+              <a:schemeClr val="phClr">
+                <a:satMod val="110000"/>
+                <a:lumMod val="100000"/>
+                <a:shade val="100000"/>
+              </a:schemeClr>
+            </a:gs>
+            <a:gs pos="100000">
+              <a:schemeClr val="phClr">
+                <a:lumMod val="99000"/>
+                <a:satMod val="120000"/>
+                <a:shade val="78000"/>
+              </a:schemeClr>
+            </a:gs>
+          </a:gsLst>
+          <a:lin ang="5400000" scaled="0"/>
+        </a:gradFill>
+      </a:fillStyleLst>
+      <a:lnStyleLst>
+        <a:ln w="6350" cap="flat" cmpd="sng" algn="ctr">
+          <a:solidFill>
+            <a:schemeClr val="phClr"/>
+          </a:solidFill>
+          <a:prstDash val="solid"/>
+          <a:miter lim="800000"/>
+        </a:ln>
+        <a:ln w="12700" cap="flat" cmpd="sng" algn="ctr">
+          <a:solidFill>
+            <a:schemeClr val="phClr"/>
+          </a:solidFill>
+          <a:prstDash val="solid"/>
+          <a:miter lim="800000"/>
+        </a:ln>
+        <a:ln w="19050" cap="flat" cmpd="sng" algn="ctr">
+          <a:solidFill>
+            <a:schemeClr val="phClr"/>
+          </a:solidFill>
+          <a:prstDash val="solid"/>
+          <a:miter lim="800000"/>
+        </a:ln>
+      </a:lnStyleLst>
+      <a:effectStyleLst>
+        <a:effectStyle>
+          <a:effectLst/>
+        </a:effectStyle>
+        <a:effectStyle>
+          <a:effectLst/>
+        </a:effectStyle>
+        <a:effectStyle>
+          <a:effectLst>
+            <a:outerShdw blurRad="57150" dist="19050" dir="5400000" algn="ctr" rotWithShape="0">
+              <a:srgbClr val="000000">
+                <a:alpha val="63000"/>
+              </a:srgbClr>
+            </a:outerShdw>
+          </a:effectLst>
+        </a:effectStyle>
+      </a:effectStyleLst>
+      <a:bgFillStyleLst>
+        <a:solidFill>
+          <a:schemeClr val="phClr"/>
+        </a:solidFill>
+        <a:solidFill>
+          <a:schemeClr val="phClr">
+            <a:tint val="95000"/>
+            <a:satMod val="170000"/>
+          </a:schemeClr>
+        </a:solidFill>
+        <a:gradFill rotWithShape="1">
+          <a:gsLst>
+            <a:gs pos="0">
+              <a:schemeClr val="phClr">
+                <a:tint val="93000"/>
+                <a:satMod val="150000"/>
+                <a:shade val="98000"/>
+                <a:lumMod val="102000"/>
+              </a:schemeClr>
+            </a:gs>
+            <a:gs pos="50000">
+              <a:schemeClr val="phClr">
+                <a:tint val="98000"/>
+                <a:satMod val="130000"/>
+                <a:shade val="90000"/>
+                <a:lumMod val="103000"/>
+              </a:schemeClr>
+            </a:gs>
+            <a:gs pos="100000">
+              <a:schemeClr val="phClr">
+                <a:shade val="63000"/>
+                <a:satMod val="120000"/>
+              </a:schemeClr>
+            </a:gs>
+          </a:gsLst>
+          <a:lin ang="5400000" scaled="0"/>
+        </a:gradFill>
+      </a:bgFillStyleLst>
+    </a:fmtScheme>
+  </a:themeElements>
+  <a:objectDefaults/>
+  <a:extraClrSchemeLst/>
+  <a:extLst>
+    <a:ext uri="{05A4C25C-085E-4340-85A3-A5531E510DB2}">
+      <thm15:themeFamily xmlns:thm15="http://schemas.microsoft.com/office/thememl/2012/main" name="UT test" id="{15B9D8DC-9424-A541-AF47-D0C4E5DD615D}" vid="{AA5B6583-0830-8041-8FDA-106127B26373}"/>
+    </a:ext>
+  </a:extLst>
+</a:theme>
 </file>
--- a/Reports/Train_with_PS capabilities_20250728.pptx
+++ b/Reports/Train_with_PS capabilities_20250728.pptx
@@ -119,13 +119,37 @@
 <file path=ppt/revisionInfo.xml><?xml version="1.0" encoding="utf-8"?>
 <p1510:revInfo xmlns:a="http://schemas.openxmlformats.org/drawingml/2006/main" xmlns:r="http://schemas.openxmlformats.org/officeDocument/2006/relationships" xmlns:p1510="http://schemas.microsoft.com/office/powerpoint/2015/10/main">
   <p1510:revLst>
-    <p1510:client id="{72AF2A81-B5F1-4E69-8DE0-BB2C03A25C53}" v="983" dt="2025-07-29T13:59:37.850"/>
+    <p1510:client id="{CD354708-F50B-416D-9857-DEBFBA6FE91E}" v="1" dt="2025-08-27T11:08:56.576"/>
   </p1510:revLst>
 </p1510:revInfo>
 </file>
 
 <file path=ppt/changesInfos/changesInfo1.xml><?xml version="1.0" encoding="utf-8"?>
 <pc:chgInfo xmlns:a="http://schemas.openxmlformats.org/drawingml/2006/main" xmlns:r="http://schemas.openxmlformats.org/officeDocument/2006/relationships" xmlns:ac="http://schemas.microsoft.com/office/drawing/2013/main/command" xmlns:pc="http://schemas.microsoft.com/office/powerpoint/2013/main/command">
+  <pc:docChgLst>
+    <pc:chgData name="Darbandi, Hamed (UT-EEMCS)" userId="14c3e4a7-a657-4d7f-849e-8baaf4839630" providerId="ADAL" clId="{CD354708-F50B-416D-9857-DEBFBA6FE91E}"/>
+    <pc:docChg chg="modSld">
+      <pc:chgData name="Darbandi, Hamed (UT-EEMCS)" userId="14c3e4a7-a657-4d7f-849e-8baaf4839630" providerId="ADAL" clId="{CD354708-F50B-416D-9857-DEBFBA6FE91E}" dt="2025-08-27T11:09:30.481" v="21" actId="6549"/>
+      <pc:docMkLst>
+        <pc:docMk/>
+      </pc:docMkLst>
+      <pc:sldChg chg="modSp mod">
+        <pc:chgData name="Darbandi, Hamed (UT-EEMCS)" userId="14c3e4a7-a657-4d7f-849e-8baaf4839630" providerId="ADAL" clId="{CD354708-F50B-416D-9857-DEBFBA6FE91E}" dt="2025-08-27T11:09:30.481" v="21" actId="6549"/>
+        <pc:sldMkLst>
+          <pc:docMk/>
+          <pc:sldMk cId="2289031963" sldId="261"/>
+        </pc:sldMkLst>
+        <pc:spChg chg="mod">
+          <ac:chgData name="Darbandi, Hamed (UT-EEMCS)" userId="14c3e4a7-a657-4d7f-849e-8baaf4839630" providerId="ADAL" clId="{CD354708-F50B-416D-9857-DEBFBA6FE91E}" dt="2025-08-27T11:09:30.481" v="21" actId="6549"/>
+          <ac:spMkLst>
+            <pc:docMk/>
+            <pc:sldMk cId="2289031963" sldId="261"/>
+            <ac:spMk id="2" creationId="{00EEBDCC-EB26-4FB3-B42B-66516F6C2BFA}"/>
+          </ac:spMkLst>
+        </pc:spChg>
+      </pc:sldChg>
+    </pc:docChg>
+  </pc:docChgLst>
   <pc:docChgLst>
     <pc:chgData name="Darbandi, Hamed (UT-EEMCS)" userId="14c3e4a7-a657-4d7f-849e-8baaf4839630" providerId="ADAL" clId="{72AF2A81-B5F1-4E69-8DE0-BB2C03A25C53}"/>
     <pc:docChg chg="undo redo custSel addSld delSld modSld sldOrd addMainMaster">
@@ -152,30 +176,6 @@
             <pc:docMk/>
             <pc:sldMk cId="3032736796" sldId="257"/>
             <ac:spMk id="8" creationId="{5651C514-C0D7-EDAA-3758-D7777957BD61}"/>
-          </ac:spMkLst>
-        </pc:spChg>
-        <pc:spChg chg="add del">
-          <ac:chgData name="Darbandi, Hamed (UT-EEMCS)" userId="14c3e4a7-a657-4d7f-849e-8baaf4839630" providerId="ADAL" clId="{72AF2A81-B5F1-4E69-8DE0-BB2C03A25C53}" dt="2025-07-28T12:54:13.907" v="108" actId="26606"/>
-          <ac:spMkLst>
-            <pc:docMk/>
-            <pc:sldMk cId="3032736796" sldId="257"/>
-            <ac:spMk id="13" creationId="{B50AB553-2A96-4A92-96F2-93548E096954}"/>
-          </ac:spMkLst>
-        </pc:spChg>
-        <pc:spChg chg="del">
-          <ac:chgData name="Darbandi, Hamed (UT-EEMCS)" userId="14c3e4a7-a657-4d7f-849e-8baaf4839630" providerId="ADAL" clId="{72AF2A81-B5F1-4E69-8DE0-BB2C03A25C53}" dt="2025-07-28T12:49:28.201" v="2" actId="700"/>
-          <ac:spMkLst>
-            <pc:docMk/>
-            <pc:sldMk cId="3032736796" sldId="257"/>
-            <ac:spMk id="15" creationId="{362810D9-2C5A-477D-949C-C191895477F3}"/>
-          </ac:spMkLst>
-        </pc:spChg>
-        <pc:spChg chg="del">
-          <ac:chgData name="Darbandi, Hamed (UT-EEMCS)" userId="14c3e4a7-a657-4d7f-849e-8baaf4839630" providerId="ADAL" clId="{72AF2A81-B5F1-4E69-8DE0-BB2C03A25C53}" dt="2025-07-28T12:49:28.201" v="2" actId="700"/>
-          <ac:spMkLst>
-            <pc:docMk/>
-            <pc:sldMk cId="3032736796" sldId="257"/>
-            <ac:spMk id="17" creationId="{081E4A58-353D-44AE-B2FC-2A74E2E400F7}"/>
           </ac:spMkLst>
         </pc:spChg>
         <pc:graphicFrameChg chg="add mod ord modGraphic">
@@ -208,38 +208,6 @@
           <pc:docMk/>
           <pc:sldMk cId="4052699321" sldId="259"/>
         </pc:sldMkLst>
-        <pc:spChg chg="mod">
-          <ac:chgData name="Darbandi, Hamed (UT-EEMCS)" userId="14c3e4a7-a657-4d7f-849e-8baaf4839630" providerId="ADAL" clId="{72AF2A81-B5F1-4E69-8DE0-BB2C03A25C53}" dt="2025-07-28T12:52:20.129" v="75" actId="26606"/>
-          <ac:spMkLst>
-            <pc:docMk/>
-            <pc:sldMk cId="4052699321" sldId="259"/>
-            <ac:spMk id="8" creationId="{5EE5EF1D-A941-39E2-9210-A680B9B73EAC}"/>
-          </ac:spMkLst>
-        </pc:spChg>
-        <pc:spChg chg="add del">
-          <ac:chgData name="Darbandi, Hamed (UT-EEMCS)" userId="14c3e4a7-a657-4d7f-849e-8baaf4839630" providerId="ADAL" clId="{72AF2A81-B5F1-4E69-8DE0-BB2C03A25C53}" dt="2025-07-28T12:52:20.129" v="75" actId="26606"/>
-          <ac:spMkLst>
-            <pc:docMk/>
-            <pc:sldMk cId="4052699321" sldId="259"/>
-            <ac:spMk id="13" creationId="{B50AB553-2A96-4A92-96F2-93548E096954}"/>
-          </ac:spMkLst>
-        </pc:spChg>
-        <pc:graphicFrameChg chg="mod modGraphic">
-          <ac:chgData name="Darbandi, Hamed (UT-EEMCS)" userId="14c3e4a7-a657-4d7f-849e-8baaf4839630" providerId="ADAL" clId="{72AF2A81-B5F1-4E69-8DE0-BB2C03A25C53}" dt="2025-07-28T12:52:20.129" v="75" actId="26606"/>
-          <ac:graphicFrameMkLst>
-            <pc:docMk/>
-            <pc:sldMk cId="4052699321" sldId="259"/>
-            <ac:graphicFrameMk id="5" creationId="{92EB4022-5430-E85D-66A1-00E8AB5967A9}"/>
-          </ac:graphicFrameMkLst>
-        </pc:graphicFrameChg>
-        <pc:picChg chg="mod">
-          <ac:chgData name="Darbandi, Hamed (UT-EEMCS)" userId="14c3e4a7-a657-4d7f-849e-8baaf4839630" providerId="ADAL" clId="{72AF2A81-B5F1-4E69-8DE0-BB2C03A25C53}" dt="2025-07-28T12:52:20.129" v="75" actId="26606"/>
-          <ac:picMkLst>
-            <pc:docMk/>
-            <pc:sldMk cId="4052699321" sldId="259"/>
-            <ac:picMk id="6" creationId="{9899710B-88EE-E075-E142-39EF83F07975}"/>
-          </ac:picMkLst>
-        </pc:picChg>
       </pc:sldChg>
       <pc:sldChg chg="modSp add del mod">
         <pc:chgData name="Darbandi, Hamed (UT-EEMCS)" userId="14c3e4a7-a657-4d7f-849e-8baaf4839630" providerId="ADAL" clId="{72AF2A81-B5F1-4E69-8DE0-BB2C03A25C53}" dt="2025-07-28T13:49:01.137" v="1020" actId="20577"/>
@@ -285,102 +253,6 @@
           <pc:docMk/>
           <pc:sldMk cId="658376717" sldId="262"/>
         </pc:sldMkLst>
-        <pc:spChg chg="del">
-          <ac:chgData name="Darbandi, Hamed (UT-EEMCS)" userId="14c3e4a7-a657-4d7f-849e-8baaf4839630" providerId="ADAL" clId="{72AF2A81-B5F1-4E69-8DE0-BB2C03A25C53}" dt="2025-07-29T13:10:10.532" v="1089" actId="478"/>
-          <ac:spMkLst>
-            <pc:docMk/>
-            <pc:sldMk cId="658376717" sldId="262"/>
-            <ac:spMk id="2" creationId="{1F7E5F36-0F1B-3180-0CC4-686071EB1E2F}"/>
-          </ac:spMkLst>
-        </pc:spChg>
-        <pc:spChg chg="del">
-          <ac:chgData name="Darbandi, Hamed (UT-EEMCS)" userId="14c3e4a7-a657-4d7f-849e-8baaf4839630" providerId="ADAL" clId="{72AF2A81-B5F1-4E69-8DE0-BB2C03A25C53}" dt="2025-07-29T13:09:28.458" v="1079" actId="931"/>
-          <ac:spMkLst>
-            <pc:docMk/>
-            <pc:sldMk cId="658376717" sldId="262"/>
-            <ac:spMk id="3" creationId="{0E1754E2-B7AA-D78A-1084-47030699D5BD}"/>
-          </ac:spMkLst>
-        </pc:spChg>
-        <pc:spChg chg="add del mod">
-          <ac:chgData name="Darbandi, Hamed (UT-EEMCS)" userId="14c3e4a7-a657-4d7f-849e-8baaf4839630" providerId="ADAL" clId="{72AF2A81-B5F1-4E69-8DE0-BB2C03A25C53}" dt="2025-07-29T13:10:12.386" v="1090" actId="478"/>
-          <ac:spMkLst>
-            <pc:docMk/>
-            <pc:sldMk cId="658376717" sldId="262"/>
-            <ac:spMk id="9" creationId="{8B07D625-7B5B-1FB7-A467-1285FA7299C9}"/>
-          </ac:spMkLst>
-        </pc:spChg>
-        <pc:picChg chg="add del mod">
-          <ac:chgData name="Darbandi, Hamed (UT-EEMCS)" userId="14c3e4a7-a657-4d7f-849e-8baaf4839630" providerId="ADAL" clId="{72AF2A81-B5F1-4E69-8DE0-BB2C03A25C53}" dt="2025-07-29T13:10:07.944" v="1088" actId="478"/>
-          <ac:picMkLst>
-            <pc:docMk/>
-            <pc:sldMk cId="658376717" sldId="262"/>
-            <ac:picMk id="5" creationId="{BC3A4FAE-A4C4-E9EC-82B9-FC4FCE97F96C}"/>
-          </ac:picMkLst>
-        </pc:picChg>
-        <pc:picChg chg="add mod">
-          <ac:chgData name="Darbandi, Hamed (UT-EEMCS)" userId="14c3e4a7-a657-4d7f-849e-8baaf4839630" providerId="ADAL" clId="{72AF2A81-B5F1-4E69-8DE0-BB2C03A25C53}" dt="2025-07-29T13:10:06.508" v="1087" actId="931"/>
-          <ac:picMkLst>
-            <pc:docMk/>
-            <pc:sldMk cId="658376717" sldId="262"/>
-            <ac:picMk id="7" creationId="{4B11D103-227B-361D-5EEF-2A308C6E34E1}"/>
-          </ac:picMkLst>
-        </pc:picChg>
-        <pc:picChg chg="add del mod">
-          <ac:chgData name="Darbandi, Hamed (UT-EEMCS)" userId="14c3e4a7-a657-4d7f-849e-8baaf4839630" providerId="ADAL" clId="{72AF2A81-B5F1-4E69-8DE0-BB2C03A25C53}" dt="2025-07-29T13:13:19.525" v="1124" actId="478"/>
-          <ac:picMkLst>
-            <pc:docMk/>
-            <pc:sldMk cId="658376717" sldId="262"/>
-            <ac:picMk id="11" creationId="{48936987-01A3-F1C2-B6BE-55FA7D8FA408}"/>
-          </ac:picMkLst>
-        </pc:picChg>
-        <pc:picChg chg="add del mod">
-          <ac:chgData name="Darbandi, Hamed (UT-EEMCS)" userId="14c3e4a7-a657-4d7f-849e-8baaf4839630" providerId="ADAL" clId="{72AF2A81-B5F1-4E69-8DE0-BB2C03A25C53}" dt="2025-07-29T13:13:12.920" v="1123" actId="478"/>
-          <ac:picMkLst>
-            <pc:docMk/>
-            <pc:sldMk cId="658376717" sldId="262"/>
-            <ac:picMk id="13" creationId="{37A4E26B-9C86-7C32-8571-208F3F6AFD9F}"/>
-          </ac:picMkLst>
-        </pc:picChg>
-        <pc:picChg chg="add del mod">
-          <ac:chgData name="Darbandi, Hamed (UT-EEMCS)" userId="14c3e4a7-a657-4d7f-849e-8baaf4839630" providerId="ADAL" clId="{72AF2A81-B5F1-4E69-8DE0-BB2C03A25C53}" dt="2025-07-29T13:13:11.686" v="1122" actId="478"/>
-          <ac:picMkLst>
-            <pc:docMk/>
-            <pc:sldMk cId="658376717" sldId="262"/>
-            <ac:picMk id="15" creationId="{1EB1135D-39A9-4E98-1D48-F3E988CDD908}"/>
-          </ac:picMkLst>
-        </pc:picChg>
-        <pc:picChg chg="add del mod">
-          <ac:chgData name="Darbandi, Hamed (UT-EEMCS)" userId="14c3e4a7-a657-4d7f-849e-8baaf4839630" providerId="ADAL" clId="{72AF2A81-B5F1-4E69-8DE0-BB2C03A25C53}" dt="2025-07-29T13:13:10.167" v="1120" actId="478"/>
-          <ac:picMkLst>
-            <pc:docMk/>
-            <pc:sldMk cId="658376717" sldId="262"/>
-            <ac:picMk id="17" creationId="{4DDD9DD2-F37E-BBDB-D819-13E0D890A10D}"/>
-          </ac:picMkLst>
-        </pc:picChg>
-        <pc:picChg chg="add del mod ord">
-          <ac:chgData name="Darbandi, Hamed (UT-EEMCS)" userId="14c3e4a7-a657-4d7f-849e-8baaf4839630" providerId="ADAL" clId="{72AF2A81-B5F1-4E69-8DE0-BB2C03A25C53}" dt="2025-07-29T13:13:11.046" v="1121" actId="478"/>
-          <ac:picMkLst>
-            <pc:docMk/>
-            <pc:sldMk cId="658376717" sldId="262"/>
-            <ac:picMk id="19" creationId="{BE25FDF5-4CD4-C9D8-2AD3-FB438DAC13D4}"/>
-          </ac:picMkLst>
-        </pc:picChg>
-        <pc:picChg chg="add del mod ord">
-          <ac:chgData name="Darbandi, Hamed (UT-EEMCS)" userId="14c3e4a7-a657-4d7f-849e-8baaf4839630" providerId="ADAL" clId="{72AF2A81-B5F1-4E69-8DE0-BB2C03A25C53}" dt="2025-07-29T13:13:20.276" v="1125" actId="478"/>
-          <ac:picMkLst>
-            <pc:docMk/>
-            <pc:sldMk cId="658376717" sldId="262"/>
-            <ac:picMk id="21" creationId="{0838CD85-B09F-EFB3-7C65-D57F684C746C}"/>
-          </ac:picMkLst>
-        </pc:picChg>
-        <pc:picChg chg="add mod">
-          <ac:chgData name="Darbandi, Hamed (UT-EEMCS)" userId="14c3e4a7-a657-4d7f-849e-8baaf4839630" providerId="ADAL" clId="{72AF2A81-B5F1-4E69-8DE0-BB2C03A25C53}" dt="2025-07-29T13:13:42.651" v="1129"/>
-          <ac:picMkLst>
-            <pc:docMk/>
-            <pc:sldMk cId="658376717" sldId="262"/>
-            <ac:picMk id="23" creationId="{6963BDA8-DE3B-0588-F56B-E919E0BC3D76}"/>
-          </ac:picMkLst>
-        </pc:picChg>
       </pc:sldChg>
       <pc:sldChg chg="addSp delSp modSp new mod">
         <pc:chgData name="Darbandi, Hamed (UT-EEMCS)" userId="14c3e4a7-a657-4d7f-849e-8baaf4839630" providerId="ADAL" clId="{72AF2A81-B5F1-4E69-8DE0-BB2C03A25C53}" dt="2025-07-29T13:59:48.554" v="1143" actId="20577"/>
@@ -394,14 +266,6 @@
             <pc:docMk/>
             <pc:sldMk cId="1117176596" sldId="262"/>
             <ac:spMk id="2" creationId="{96887403-1A6D-48AA-DFAB-1649BBA144C7}"/>
-          </ac:spMkLst>
-        </pc:spChg>
-        <pc:spChg chg="del">
-          <ac:chgData name="Darbandi, Hamed (UT-EEMCS)" userId="14c3e4a7-a657-4d7f-849e-8baaf4839630" providerId="ADAL" clId="{72AF2A81-B5F1-4E69-8DE0-BB2C03A25C53}" dt="2025-07-29T13:59:37.849" v="1132"/>
-          <ac:spMkLst>
-            <pc:docMk/>
-            <pc:sldMk cId="1117176596" sldId="262"/>
-            <ac:spMk id="3" creationId="{748D379C-4C2C-CAF9-0016-A2FAE066E4F3}"/>
           </ac:spMkLst>
         </pc:spChg>
         <pc:picChg chg="add mod">
@@ -8053,7 +7917,7 @@
           <a:p>
             <a:fld id="{DC11B0E6-9697-40A3-AD93-37D4A7A41591}" type="datetimeFigureOut">
               <a:rPr lang="en-US" smtClean="0"/>
-              <a:t>7/29/2025</a:t>
+              <a:t>8/27/2025</a:t>
             </a:fld>
             <a:endParaRPr lang="en-US"/>
           </a:p>
@@ -8251,7 +8115,7 @@
           <a:p>
             <a:fld id="{DC11B0E6-9697-40A3-AD93-37D4A7A41591}" type="datetimeFigureOut">
               <a:rPr lang="en-US" smtClean="0"/>
-              <a:t>7/29/2025</a:t>
+              <a:t>8/27/2025</a:t>
             </a:fld>
             <a:endParaRPr lang="en-US"/>
           </a:p>
@@ -8459,7 +8323,7 @@
           <a:p>
             <a:fld id="{DC11B0E6-9697-40A3-AD93-37D4A7A41591}" type="datetimeFigureOut">
               <a:rPr lang="en-US" smtClean="0"/>
-              <a:t>7/29/2025</a:t>
+              <a:t>8/27/2025</a:t>
             </a:fld>
             <a:endParaRPr lang="en-US"/>
           </a:p>
@@ -8681,7 +8545,7 @@
           <a:p>
             <a:fld id="{4830D67E-D22D-4A4C-9B3A-26181A3C2579}" type="datetimeFigureOut">
               <a:rPr lang="nl-NL" smtClean="0"/>
-              <a:t>29-7-2025</a:t>
+              <a:t>27-8-2025</a:t>
             </a:fld>
             <a:endParaRPr lang="nl-NL"/>
           </a:p>
@@ -8879,7 +8743,7 @@
           <a:p>
             <a:fld id="{DC11B0E6-9697-40A3-AD93-37D4A7A41591}" type="datetimeFigureOut">
               <a:rPr lang="en-US" smtClean="0"/>
-              <a:t>7/29/2025</a:t>
+              <a:t>8/27/2025</a:t>
             </a:fld>
             <a:endParaRPr lang="en-US"/>
           </a:p>
@@ -9154,7 +9018,7 @@
           <a:p>
             <a:fld id="{DC11B0E6-9697-40A3-AD93-37D4A7A41591}" type="datetimeFigureOut">
               <a:rPr lang="en-US" smtClean="0"/>
-              <a:t>7/29/2025</a:t>
+              <a:t>8/27/2025</a:t>
             </a:fld>
             <a:endParaRPr lang="en-US"/>
           </a:p>
@@ -9419,7 +9283,7 @@
           <a:p>
             <a:fld id="{DC11B0E6-9697-40A3-AD93-37D4A7A41591}" type="datetimeFigureOut">
               <a:rPr lang="en-US" smtClean="0"/>
-              <a:t>7/29/2025</a:t>
+              <a:t>8/27/2025</a:t>
             </a:fld>
             <a:endParaRPr lang="en-US"/>
           </a:p>
@@ -9831,7 +9695,7 @@
           <a:p>
             <a:fld id="{DC11B0E6-9697-40A3-AD93-37D4A7A41591}" type="datetimeFigureOut">
               <a:rPr lang="en-US" smtClean="0"/>
-              <a:t>7/29/2025</a:t>
+              <a:t>8/27/2025</a:t>
             </a:fld>
             <a:endParaRPr lang="en-US"/>
           </a:p>
@@ -9972,7 +9836,7 @@
           <a:p>
             <a:fld id="{DC11B0E6-9697-40A3-AD93-37D4A7A41591}" type="datetimeFigureOut">
               <a:rPr lang="en-US" smtClean="0"/>
-              <a:t>7/29/2025</a:t>
+              <a:t>8/27/2025</a:t>
             </a:fld>
             <a:endParaRPr lang="en-US"/>
           </a:p>
@@ -10085,7 +9949,7 @@
           <a:p>
             <a:fld id="{DC11B0E6-9697-40A3-AD93-37D4A7A41591}" type="datetimeFigureOut">
               <a:rPr lang="en-US" smtClean="0"/>
-              <a:t>7/29/2025</a:t>
+              <a:t>8/27/2025</a:t>
             </a:fld>
             <a:endParaRPr lang="en-US"/>
           </a:p>
@@ -10396,7 +10260,7 @@
           <a:p>
             <a:fld id="{DC11B0E6-9697-40A3-AD93-37D4A7A41591}" type="datetimeFigureOut">
               <a:rPr lang="en-US" smtClean="0"/>
-              <a:t>7/29/2025</a:t>
+              <a:t>8/27/2025</a:t>
             </a:fld>
             <a:endParaRPr lang="en-US"/>
           </a:p>
@@ -10684,7 +10548,7 @@
           <a:p>
             <a:fld id="{DC11B0E6-9697-40A3-AD93-37D4A7A41591}" type="datetimeFigureOut">
               <a:rPr lang="en-US" smtClean="0"/>
-              <a:t>7/29/2025</a:t>
+              <a:t>8/27/2025</a:t>
             </a:fld>
             <a:endParaRPr lang="en-US"/>
           </a:p>
@@ -10925,7 +10789,7 @@
           <a:p>
             <a:fld id="{DC11B0E6-9697-40A3-AD93-37D4A7A41591}" type="datetimeFigureOut">
               <a:rPr lang="en-US" smtClean="0"/>
-              <a:t>7/29/2025</a:t>
+              <a:t>8/27/2025</a:t>
             </a:fld>
             <a:endParaRPr lang="en-US"/>
           </a:p>
@@ -11383,7 +11247,7 @@
           <a:p>
             <a:fld id="{8E469526-6E45-7F42-9A5B-A968FB10F2EF}" type="datetime3">
               <a:rPr lang="en-US" smtClean="0"/>
-              <a:t>29 July 2025</a:t>
+              <a:t>27 August 2025</a:t>
             </a:fld>
             <a:endParaRPr lang="en-US" dirty="0"/>
           </a:p>
@@ -11842,73 +11706,62 @@
               </a:lnSpc>
             </a:pPr>
             <a:r>
-              <a:rPr kumimoji="0" lang="en-US" sz="4000" b="1" i="0" u="none" strike="noStrike" kern="1200" cap="none" spc="0" normalizeH="0" baseline="0" noProof="0" dirty="0">
-                <a:ln>
-                  <a:noFill/>
-                </a:ln>
-                <a:effectLst/>
-                <a:uLnTx/>
-                <a:uFillTx/>
+              <a:rPr lang="en-US" sz="4000" cap="none" dirty="0">
                 <a:latin typeface="Garamond" panose="02020404030301010803" pitchFamily="18" charset="0"/>
-                <a:ea typeface="+mj-ea"/>
-                <a:cs typeface="+mj-cs"/>
               </a:rPr>
-              <a:t>Energy Management for Train Operation</a:t>
+              <a:t>Dynamic Coordination </a:t>
+            </a:r>
+            <a:r>
+              <a:rPr lang="en-US" sz="4000" cap="none">
+                <a:latin typeface="Garamond" panose="02020404030301010803" pitchFamily="18" charset="0"/>
+              </a:rPr>
+              <a:t>of </a:t>
             </a:r>
             <a:br>
-              <a:rPr kumimoji="0" lang="en-US" sz="4000" b="1" i="0" u="none" strike="noStrike" kern="1200" cap="none" spc="0" normalizeH="0" baseline="0" noProof="0" dirty="0">
-                <a:ln>
-                  <a:noFill/>
-                </a:ln>
-                <a:effectLst/>
-                <a:uLnTx/>
-                <a:uFillTx/>
+              <a:rPr lang="en-US" sz="4000" cap="none">
                 <a:latin typeface="Garamond" panose="02020404030301010803" pitchFamily="18" charset="0"/>
-                <a:ea typeface="+mj-ea"/>
-                <a:cs typeface="+mj-cs"/>
               </a:rPr>
             </a:br>
             <a:r>
-              <a:rPr kumimoji="0" lang="en-US" sz="2800" b="1" i="0" u="none" strike="noStrike" kern="1200" cap="none" spc="0" normalizeH="0" baseline="0" noProof="0" dirty="0">
-                <a:ln>
-                  <a:noFill/>
-                </a:ln>
-                <a:effectLst/>
-                <a:uLnTx/>
-                <a:uFillTx/>
+              <a:rPr lang="en-US" sz="4000" cap="none">
                 <a:latin typeface="Garamond" panose="02020404030301010803" pitchFamily="18" charset="0"/>
-                <a:ea typeface="+mj-ea"/>
-                <a:cs typeface="+mj-cs"/>
               </a:rPr>
-              <a:t> </a:t>
+              <a:t>Train </a:t>
             </a:r>
             <a:r>
-              <a:rPr kumimoji="0" lang="en-US" sz="3200" b="1" i="0" u="none" strike="noStrike" kern="1200" cap="none" spc="0" normalizeH="0" baseline="0" noProof="0" dirty="0">
-                <a:ln>
-                  <a:noFill/>
-                </a:ln>
-                <a:effectLst/>
-                <a:uLnTx/>
-                <a:uFillTx/>
+              <a:rPr lang="en-US" sz="4000" cap="none" dirty="0">
                 <a:latin typeface="Garamond" panose="02020404030301010803" pitchFamily="18" charset="0"/>
-                <a:ea typeface="+mj-ea"/>
-                <a:cs typeface="+mj-cs"/>
               </a:rPr>
-              <a:t>in a </a:t>
+              <a:t>Operations and Energy </a:t>
             </a:r>
             <a:r>
-              <a:rPr kumimoji="0" lang="en-US" sz="3200" b="1" i="0" u="none" strike="noStrike" kern="1200" cap="none" spc="0" normalizeH="0" baseline="0" noProof="0">
-                <a:ln>
-                  <a:noFill/>
-                </a:ln>
-                <a:effectLst/>
-                <a:uLnTx/>
-                <a:uFillTx/>
+              <a:rPr lang="en-US" sz="4000" cap="none">
                 <a:latin typeface="Garamond" panose="02020404030301010803" pitchFamily="18" charset="0"/>
-                <a:ea typeface="+mj-ea"/>
-                <a:cs typeface="+mj-cs"/>
               </a:rPr>
-              <a:t>Sustainable Environment</a:t>
+              <a:t>Assets </a:t>
+            </a:r>
+            <a:br>
+              <a:rPr lang="en-US" sz="4000" cap="none">
+                <a:latin typeface="Garamond" panose="02020404030301010803" pitchFamily="18" charset="0"/>
+              </a:rPr>
+            </a:br>
+            <a:r>
+              <a:rPr lang="en-US" sz="4000" cap="none">
+                <a:latin typeface="Garamond" panose="02020404030301010803" pitchFamily="18" charset="0"/>
+              </a:rPr>
+              <a:t>for Grid </a:t>
+            </a:r>
+            <a:r>
+              <a:rPr lang="en-US" sz="4000" cap="none" dirty="0">
+                <a:latin typeface="Garamond" panose="02020404030301010803" pitchFamily="18" charset="0"/>
+              </a:rPr>
+              <a:t>Support and </a:t>
+            </a:r>
+            <a:r>
+              <a:rPr lang="en-US" sz="4000" cap="none">
+                <a:latin typeface="Garamond" panose="02020404030301010803" pitchFamily="18" charset="0"/>
+              </a:rPr>
+              <a:t>Peak Shaving</a:t>
             </a:r>
             <a:endParaRPr lang="nl-NL" dirty="0"/>
           </a:p>
